--- a/docs/images/brokers.pptx
+++ b/docs/images/brokers.pptx
@@ -6,6 +6,9 @@
   </p:sldMasterIdLst>
   <p:sldIdLst>
     <p:sldId id="256" r:id="rId2"/>
+    <p:sldId id="257" r:id="rId3"/>
+    <p:sldId id="258" r:id="rId4"/>
+    <p:sldId id="259" r:id="rId5"/>
   </p:sldIdLst>
   <p:sldSz cx="12192000" cy="6858000"/>
   <p:notesSz cx="6858000" cy="9144000"/>
@@ -104,6 +107,11 @@
       </a:defRPr>
     </a:lvl9pPr>
   </p:defaultTextStyle>
+  <p:extLst>
+    <p:ext uri="{EFAFB233-063F-42B5-8137-9DF3F51BA10A}">
+      <p15:sldGuideLst xmlns:p15="http://schemas.microsoft.com/office/powerpoint/2012/main"/>
+    </p:ext>
+  </p:extLst>
 </p:presentation>
 </file>
 
@@ -256,7 +264,7 @@
           <a:p>
             <a:fld id="{AF64AE9B-0521-364F-96FB-C7DA1FF57FE1}" type="datetimeFigureOut">
               <a:rPr lang="en-US" smtClean="0"/>
-              <a:t>10/6/20</a:t>
+              <a:t>10/13/20</a:t>
             </a:fld>
             <a:endParaRPr lang="en-US"/>
           </a:p>
@@ -456,7 +464,7 @@
           <a:p>
             <a:fld id="{AF64AE9B-0521-364F-96FB-C7DA1FF57FE1}" type="datetimeFigureOut">
               <a:rPr lang="en-US" smtClean="0"/>
-              <a:t>10/6/20</a:t>
+              <a:t>10/13/20</a:t>
             </a:fld>
             <a:endParaRPr lang="en-US"/>
           </a:p>
@@ -666,7 +674,7 @@
           <a:p>
             <a:fld id="{AF64AE9B-0521-364F-96FB-C7DA1FF57FE1}" type="datetimeFigureOut">
               <a:rPr lang="en-US" smtClean="0"/>
-              <a:t>10/6/20</a:t>
+              <a:t>10/13/20</a:t>
             </a:fld>
             <a:endParaRPr lang="en-US"/>
           </a:p>
@@ -866,7 +874,7 @@
           <a:p>
             <a:fld id="{AF64AE9B-0521-364F-96FB-C7DA1FF57FE1}" type="datetimeFigureOut">
               <a:rPr lang="en-US" smtClean="0"/>
-              <a:t>10/6/20</a:t>
+              <a:t>10/13/20</a:t>
             </a:fld>
             <a:endParaRPr lang="en-US"/>
           </a:p>
@@ -1142,7 +1150,7 @@
           <a:p>
             <a:fld id="{AF64AE9B-0521-364F-96FB-C7DA1FF57FE1}" type="datetimeFigureOut">
               <a:rPr lang="en-US" smtClean="0"/>
-              <a:t>10/6/20</a:t>
+              <a:t>10/13/20</a:t>
             </a:fld>
             <a:endParaRPr lang="en-US"/>
           </a:p>
@@ -1410,7 +1418,7 @@
           <a:p>
             <a:fld id="{AF64AE9B-0521-364F-96FB-C7DA1FF57FE1}" type="datetimeFigureOut">
               <a:rPr lang="en-US" smtClean="0"/>
-              <a:t>10/6/20</a:t>
+              <a:t>10/13/20</a:t>
             </a:fld>
             <a:endParaRPr lang="en-US"/>
           </a:p>
@@ -1825,7 +1833,7 @@
           <a:p>
             <a:fld id="{AF64AE9B-0521-364F-96FB-C7DA1FF57FE1}" type="datetimeFigureOut">
               <a:rPr lang="en-US" smtClean="0"/>
-              <a:t>10/6/20</a:t>
+              <a:t>10/13/20</a:t>
             </a:fld>
             <a:endParaRPr lang="en-US"/>
           </a:p>
@@ -1967,7 +1975,7 @@
           <a:p>
             <a:fld id="{AF64AE9B-0521-364F-96FB-C7DA1FF57FE1}" type="datetimeFigureOut">
               <a:rPr lang="en-US" smtClean="0"/>
-              <a:t>10/6/20</a:t>
+              <a:t>10/13/20</a:t>
             </a:fld>
             <a:endParaRPr lang="en-US"/>
           </a:p>
@@ -2080,7 +2088,7 @@
           <a:p>
             <a:fld id="{AF64AE9B-0521-364F-96FB-C7DA1FF57FE1}" type="datetimeFigureOut">
               <a:rPr lang="en-US" smtClean="0"/>
-              <a:t>10/6/20</a:t>
+              <a:t>10/13/20</a:t>
             </a:fld>
             <a:endParaRPr lang="en-US"/>
           </a:p>
@@ -2393,7 +2401,7 @@
           <a:p>
             <a:fld id="{AF64AE9B-0521-364F-96FB-C7DA1FF57FE1}" type="datetimeFigureOut">
               <a:rPr lang="en-US" smtClean="0"/>
-              <a:t>10/6/20</a:t>
+              <a:t>10/13/20</a:t>
             </a:fld>
             <a:endParaRPr lang="en-US"/>
           </a:p>
@@ -2682,7 +2690,7 @@
           <a:p>
             <a:fld id="{AF64AE9B-0521-364F-96FB-C7DA1FF57FE1}" type="datetimeFigureOut">
               <a:rPr lang="en-US" smtClean="0"/>
-              <a:t>10/6/20</a:t>
+              <a:t>10/13/20</a:t>
             </a:fld>
             <a:endParaRPr lang="en-US"/>
           </a:p>
@@ -2925,7 +2933,7 @@
           <a:p>
             <a:fld id="{AF64AE9B-0521-364F-96FB-C7DA1FF57FE1}" type="datetimeFigureOut">
               <a:rPr lang="en-US" smtClean="0"/>
-              <a:t>10/6/20</a:t>
+              <a:t>10/13/20</a:t>
             </a:fld>
             <a:endParaRPr lang="en-US"/>
           </a:p>
@@ -4247,6 +4255,3309 @@
 </p:sld>
 </file>
 
+<file path=ppt/slides/slide2.xml><?xml version="1.0" encoding="utf-8"?>
+<p:sld xmlns:a="http://schemas.openxmlformats.org/drawingml/2006/main" xmlns:r="http://schemas.openxmlformats.org/officeDocument/2006/relationships" xmlns:p="http://schemas.openxmlformats.org/presentationml/2006/main">
+  <p:cSld>
+    <p:spTree>
+      <p:nvGrpSpPr>
+        <p:cNvPr id="1" name=""/>
+        <p:cNvGrpSpPr/>
+        <p:nvPr/>
+      </p:nvGrpSpPr>
+      <p:grpSpPr>
+        <a:xfrm>
+          <a:off x="0" y="0"/>
+          <a:ext cx="0" cy="0"/>
+          <a:chOff x="0" y="0"/>
+          <a:chExt cx="0" cy="0"/>
+        </a:xfrm>
+      </p:grpSpPr>
+      <p:pic>
+        <p:nvPicPr>
+          <p:cNvPr id="2" name="Picture 1">
+            <a:extLst>
+              <a:ext uri="{FF2B5EF4-FFF2-40B4-BE49-F238E27FC236}">
+                <a16:creationId xmlns:a16="http://schemas.microsoft.com/office/drawing/2014/main" id="{367A77DC-F73C-A145-8E77-350DE5044117}"/>
+              </a:ext>
+            </a:extLst>
+          </p:cNvPr>
+          <p:cNvPicPr>
+            <a:picLocks noChangeAspect="1"/>
+          </p:cNvPicPr>
+          <p:nvPr/>
+        </p:nvPicPr>
+        <p:blipFill>
+          <a:blip r:embed="rId2"/>
+          <a:stretch>
+            <a:fillRect/>
+          </a:stretch>
+        </p:blipFill>
+        <p:spPr>
+          <a:xfrm>
+            <a:off x="3308350" y="2076450"/>
+            <a:ext cx="5575300" cy="2705100"/>
+          </a:xfrm>
+          <a:prstGeom prst="rect">
+            <a:avLst/>
+          </a:prstGeom>
+        </p:spPr>
+      </p:pic>
+      <p:sp>
+        <p:nvSpPr>
+          <p:cNvPr id="4" name="Rectangle 3">
+            <a:extLst>
+              <a:ext uri="{FF2B5EF4-FFF2-40B4-BE49-F238E27FC236}">
+                <a16:creationId xmlns:a16="http://schemas.microsoft.com/office/drawing/2014/main" id="{81F68EB3-A863-E843-8454-F7D484ACB7EE}"/>
+              </a:ext>
+            </a:extLst>
+          </p:cNvPr>
+          <p:cNvSpPr/>
+          <p:nvPr/>
+        </p:nvSpPr>
+        <p:spPr>
+          <a:xfrm>
+            <a:off x="3426372" y="2396358"/>
+            <a:ext cx="5307725" cy="1324303"/>
+          </a:xfrm>
+          <a:prstGeom prst="rect">
+            <a:avLst/>
+          </a:prstGeom>
+          <a:noFill/>
+          <a:ln w="63500">
+            <a:solidFill>
+              <a:srgbClr val="FF0000"/>
+            </a:solidFill>
+          </a:ln>
+        </p:spPr>
+        <p:style>
+          <a:lnRef idx="2">
+            <a:schemeClr val="accent1">
+              <a:shade val="50000"/>
+            </a:schemeClr>
+          </a:lnRef>
+          <a:fillRef idx="1">
+            <a:schemeClr val="accent1"/>
+          </a:fillRef>
+          <a:effectRef idx="0">
+            <a:schemeClr val="accent1"/>
+          </a:effectRef>
+          <a:fontRef idx="minor">
+            <a:schemeClr val="lt1"/>
+          </a:fontRef>
+        </p:style>
+        <p:txBody>
+          <a:bodyPr rtlCol="0" anchor="ctr"/>
+          <a:lstStyle/>
+          <a:p>
+            <a:pPr algn="ctr"/>
+            <a:endParaRPr lang="en-US"/>
+          </a:p>
+        </p:txBody>
+      </p:sp>
+      <p:sp>
+        <p:nvSpPr>
+          <p:cNvPr id="5" name="Rectangle 4">
+            <a:extLst>
+              <a:ext uri="{FF2B5EF4-FFF2-40B4-BE49-F238E27FC236}">
+                <a16:creationId xmlns:a16="http://schemas.microsoft.com/office/drawing/2014/main" id="{20D544FF-B258-5644-94D9-69E471D74804}"/>
+              </a:ext>
+            </a:extLst>
+          </p:cNvPr>
+          <p:cNvSpPr/>
+          <p:nvPr/>
+        </p:nvSpPr>
+        <p:spPr>
+          <a:xfrm>
+            <a:off x="3426371" y="3846786"/>
+            <a:ext cx="5307725" cy="803057"/>
+          </a:xfrm>
+          <a:prstGeom prst="rect">
+            <a:avLst/>
+          </a:prstGeom>
+          <a:noFill/>
+          <a:ln w="63500">
+            <a:solidFill>
+              <a:srgbClr val="FF0000"/>
+            </a:solidFill>
+          </a:ln>
+        </p:spPr>
+        <p:style>
+          <a:lnRef idx="2">
+            <a:schemeClr val="accent1">
+              <a:shade val="50000"/>
+            </a:schemeClr>
+          </a:lnRef>
+          <a:fillRef idx="1">
+            <a:schemeClr val="accent1"/>
+          </a:fillRef>
+          <a:effectRef idx="0">
+            <a:schemeClr val="accent1"/>
+          </a:effectRef>
+          <a:fontRef idx="minor">
+            <a:schemeClr val="lt1"/>
+          </a:fontRef>
+        </p:style>
+        <p:txBody>
+          <a:bodyPr rtlCol="0" anchor="ctr"/>
+          <a:lstStyle/>
+          <a:p>
+            <a:pPr algn="ctr"/>
+            <a:endParaRPr lang="en-US"/>
+          </a:p>
+        </p:txBody>
+      </p:sp>
+      <p:sp>
+        <p:nvSpPr>
+          <p:cNvPr id="6" name="TextBox 5">
+            <a:extLst>
+              <a:ext uri="{FF2B5EF4-FFF2-40B4-BE49-F238E27FC236}">
+                <a16:creationId xmlns:a16="http://schemas.microsoft.com/office/drawing/2014/main" id="{61C8F3B8-B60D-8640-A356-899BD8928A3D}"/>
+              </a:ext>
+            </a:extLst>
+          </p:cNvPr>
+          <p:cNvSpPr txBox="1"/>
+          <p:nvPr/>
+        </p:nvSpPr>
+        <p:spPr>
+          <a:xfrm>
+            <a:off x="3308350" y="1779298"/>
+            <a:ext cx="1446230" cy="369332"/>
+          </a:xfrm>
+          <a:prstGeom prst="rect">
+            <a:avLst/>
+          </a:prstGeom>
+          <a:noFill/>
+        </p:spPr>
+        <p:txBody>
+          <a:bodyPr wrap="none" rtlCol="0">
+            <a:spAutoFit/>
+          </a:bodyPr>
+          <a:lstStyle/>
+          <a:p>
+            <a:r>
+              <a:rPr lang="en-US" dirty="0"/>
+              <a:t>Connection A</a:t>
+            </a:r>
+          </a:p>
+        </p:txBody>
+      </p:sp>
+      <p:sp>
+        <p:nvSpPr>
+          <p:cNvPr id="7" name="TextBox 6">
+            <a:extLst>
+              <a:ext uri="{FF2B5EF4-FFF2-40B4-BE49-F238E27FC236}">
+                <a16:creationId xmlns:a16="http://schemas.microsoft.com/office/drawing/2014/main" id="{AD171D4E-760C-DD4E-89AC-D31703BB7A0C}"/>
+              </a:ext>
+            </a:extLst>
+          </p:cNvPr>
+          <p:cNvSpPr txBox="1"/>
+          <p:nvPr/>
+        </p:nvSpPr>
+        <p:spPr>
+          <a:xfrm>
+            <a:off x="3308350" y="4757996"/>
+            <a:ext cx="1438214" cy="369332"/>
+          </a:xfrm>
+          <a:prstGeom prst="rect">
+            <a:avLst/>
+          </a:prstGeom>
+          <a:noFill/>
+        </p:spPr>
+        <p:txBody>
+          <a:bodyPr wrap="none" rtlCol="0">
+            <a:spAutoFit/>
+          </a:bodyPr>
+          <a:lstStyle/>
+          <a:p>
+            <a:r>
+              <a:rPr lang="en-US" dirty="0"/>
+              <a:t>Connection B</a:t>
+            </a:r>
+          </a:p>
+        </p:txBody>
+      </p:sp>
+      <p:cxnSp>
+        <p:nvCxnSpPr>
+          <p:cNvPr id="9" name="Straight Arrow Connector 8">
+            <a:extLst>
+              <a:ext uri="{FF2B5EF4-FFF2-40B4-BE49-F238E27FC236}">
+                <a16:creationId xmlns:a16="http://schemas.microsoft.com/office/drawing/2014/main" id="{AE3ABFE7-15AD-5348-BBE9-24C190374C13}"/>
+              </a:ext>
+            </a:extLst>
+          </p:cNvPr>
+          <p:cNvCxnSpPr>
+            <a:cxnSpLocks/>
+            <a:stCxn id="7" idx="3"/>
+          </p:cNvCxnSpPr>
+          <p:nvPr/>
+        </p:nvCxnSpPr>
+        <p:spPr>
+          <a:xfrm flipV="1">
+            <a:off x="4746564" y="4681090"/>
+            <a:ext cx="640982" cy="261572"/>
+          </a:xfrm>
+          <a:prstGeom prst="straightConnector1">
+            <a:avLst/>
+          </a:prstGeom>
+          <a:ln w="63500">
+            <a:solidFill>
+              <a:srgbClr val="FF0000"/>
+            </a:solidFill>
+            <a:tailEnd type="triangle"/>
+          </a:ln>
+        </p:spPr>
+        <p:style>
+          <a:lnRef idx="1">
+            <a:schemeClr val="accent1"/>
+          </a:lnRef>
+          <a:fillRef idx="0">
+            <a:schemeClr val="accent1"/>
+          </a:fillRef>
+          <a:effectRef idx="0">
+            <a:schemeClr val="accent1"/>
+          </a:effectRef>
+          <a:fontRef idx="minor">
+            <a:schemeClr val="tx1"/>
+          </a:fontRef>
+        </p:style>
+      </p:cxnSp>
+      <p:cxnSp>
+        <p:nvCxnSpPr>
+          <p:cNvPr id="11" name="Straight Arrow Connector 10">
+            <a:extLst>
+              <a:ext uri="{FF2B5EF4-FFF2-40B4-BE49-F238E27FC236}">
+                <a16:creationId xmlns:a16="http://schemas.microsoft.com/office/drawing/2014/main" id="{21F6517C-4356-8C4F-9867-37AFF0466DF5}"/>
+              </a:ext>
+            </a:extLst>
+          </p:cNvPr>
+          <p:cNvCxnSpPr>
+            <a:cxnSpLocks/>
+          </p:cNvCxnSpPr>
+          <p:nvPr/>
+        </p:nvCxnSpPr>
+        <p:spPr>
+          <a:xfrm>
+            <a:off x="4746564" y="1963964"/>
+            <a:ext cx="517414" cy="432394"/>
+          </a:xfrm>
+          <a:prstGeom prst="straightConnector1">
+            <a:avLst/>
+          </a:prstGeom>
+          <a:ln w="63500">
+            <a:solidFill>
+              <a:srgbClr val="FF0000"/>
+            </a:solidFill>
+            <a:tailEnd type="triangle"/>
+          </a:ln>
+        </p:spPr>
+        <p:style>
+          <a:lnRef idx="1">
+            <a:schemeClr val="accent1"/>
+          </a:lnRef>
+          <a:fillRef idx="0">
+            <a:schemeClr val="accent1"/>
+          </a:fillRef>
+          <a:effectRef idx="0">
+            <a:schemeClr val="accent1"/>
+          </a:effectRef>
+          <a:fontRef idx="minor">
+            <a:schemeClr val="tx1"/>
+          </a:fontRef>
+        </p:style>
+      </p:cxnSp>
+      <p:sp>
+        <p:nvSpPr>
+          <p:cNvPr id="13" name="TextBox 12">
+            <a:extLst>
+              <a:ext uri="{FF2B5EF4-FFF2-40B4-BE49-F238E27FC236}">
+                <a16:creationId xmlns:a16="http://schemas.microsoft.com/office/drawing/2014/main" id="{64375CDB-77B4-B64E-A05D-EB46A6B5BC35}"/>
+              </a:ext>
+            </a:extLst>
+          </p:cNvPr>
+          <p:cNvSpPr txBox="1"/>
+          <p:nvPr/>
+        </p:nvSpPr>
+        <p:spPr>
+          <a:xfrm>
+            <a:off x="2301099" y="2508421"/>
+            <a:ext cx="864339" cy="369332"/>
+          </a:xfrm>
+          <a:prstGeom prst="rect">
+            <a:avLst/>
+          </a:prstGeom>
+          <a:noFill/>
+        </p:spPr>
+        <p:txBody>
+          <a:bodyPr wrap="none" rtlCol="0">
+            <a:spAutoFit/>
+          </a:bodyPr>
+          <a:lstStyle/>
+          <a:p>
+            <a:r>
+              <a:rPr lang="en-US" dirty="0"/>
+              <a:t>Publish</a:t>
+            </a:r>
+          </a:p>
+        </p:txBody>
+      </p:sp>
+      <p:cxnSp>
+        <p:nvCxnSpPr>
+          <p:cNvPr id="14" name="Straight Arrow Connector 13">
+            <a:extLst>
+              <a:ext uri="{FF2B5EF4-FFF2-40B4-BE49-F238E27FC236}">
+                <a16:creationId xmlns:a16="http://schemas.microsoft.com/office/drawing/2014/main" id="{AE6FAAA6-DAF6-7447-9936-AA74BC112CB9}"/>
+              </a:ext>
+            </a:extLst>
+          </p:cNvPr>
+          <p:cNvCxnSpPr>
+            <a:cxnSpLocks/>
+          </p:cNvCxnSpPr>
+          <p:nvPr/>
+        </p:nvCxnSpPr>
+        <p:spPr>
+          <a:xfrm>
+            <a:off x="3167664" y="2684243"/>
+            <a:ext cx="662931" cy="0"/>
+          </a:xfrm>
+          <a:prstGeom prst="straightConnector1">
+            <a:avLst/>
+          </a:prstGeom>
+          <a:ln w="63500">
+            <a:solidFill>
+              <a:srgbClr val="FF0000"/>
+            </a:solidFill>
+            <a:tailEnd type="triangle"/>
+          </a:ln>
+        </p:spPr>
+        <p:style>
+          <a:lnRef idx="1">
+            <a:schemeClr val="accent1"/>
+          </a:lnRef>
+          <a:fillRef idx="0">
+            <a:schemeClr val="accent1"/>
+          </a:fillRef>
+          <a:effectRef idx="0">
+            <a:schemeClr val="accent1"/>
+          </a:effectRef>
+          <a:fontRef idx="minor">
+            <a:schemeClr val="tx1"/>
+          </a:fontRef>
+        </p:style>
+      </p:cxnSp>
+      <p:sp>
+        <p:nvSpPr>
+          <p:cNvPr id="16" name="TextBox 15">
+            <a:extLst>
+              <a:ext uri="{FF2B5EF4-FFF2-40B4-BE49-F238E27FC236}">
+                <a16:creationId xmlns:a16="http://schemas.microsoft.com/office/drawing/2014/main" id="{444D4537-880E-444E-846D-8D72B74C8F78}"/>
+              </a:ext>
+            </a:extLst>
+          </p:cNvPr>
+          <p:cNvSpPr txBox="1"/>
+          <p:nvPr/>
+        </p:nvSpPr>
+        <p:spPr>
+          <a:xfrm>
+            <a:off x="2182893" y="3557074"/>
+            <a:ext cx="1090811" cy="369332"/>
+          </a:xfrm>
+          <a:prstGeom prst="rect">
+            <a:avLst/>
+          </a:prstGeom>
+          <a:noFill/>
+        </p:spPr>
+        <p:txBody>
+          <a:bodyPr wrap="none" rtlCol="0">
+            <a:spAutoFit/>
+          </a:bodyPr>
+          <a:lstStyle/>
+          <a:p>
+            <a:r>
+              <a:rPr lang="en-US" dirty="0"/>
+              <a:t>Subscribe</a:t>
+            </a:r>
+          </a:p>
+        </p:txBody>
+      </p:sp>
+      <p:cxnSp>
+        <p:nvCxnSpPr>
+          <p:cNvPr id="17" name="Straight Arrow Connector 16">
+            <a:extLst>
+              <a:ext uri="{FF2B5EF4-FFF2-40B4-BE49-F238E27FC236}">
+                <a16:creationId xmlns:a16="http://schemas.microsoft.com/office/drawing/2014/main" id="{C5D4A517-7C34-314D-B98A-4B3D4C4288F5}"/>
+              </a:ext>
+            </a:extLst>
+          </p:cNvPr>
+          <p:cNvCxnSpPr>
+            <a:cxnSpLocks/>
+          </p:cNvCxnSpPr>
+          <p:nvPr/>
+        </p:nvCxnSpPr>
+        <p:spPr>
+          <a:xfrm flipV="1">
+            <a:off x="3186307" y="3429000"/>
+            <a:ext cx="841150" cy="312740"/>
+          </a:xfrm>
+          <a:prstGeom prst="straightConnector1">
+            <a:avLst/>
+          </a:prstGeom>
+          <a:ln w="63500">
+            <a:solidFill>
+              <a:srgbClr val="FF0000"/>
+            </a:solidFill>
+            <a:tailEnd type="triangle"/>
+          </a:ln>
+        </p:spPr>
+        <p:style>
+          <a:lnRef idx="1">
+            <a:schemeClr val="accent1"/>
+          </a:lnRef>
+          <a:fillRef idx="0">
+            <a:schemeClr val="accent1"/>
+          </a:fillRef>
+          <a:effectRef idx="0">
+            <a:schemeClr val="accent1"/>
+          </a:effectRef>
+          <a:fontRef idx="minor">
+            <a:schemeClr val="tx1"/>
+          </a:fontRef>
+        </p:style>
+      </p:cxnSp>
+      <p:cxnSp>
+        <p:nvCxnSpPr>
+          <p:cNvPr id="19" name="Straight Arrow Connector 18">
+            <a:extLst>
+              <a:ext uri="{FF2B5EF4-FFF2-40B4-BE49-F238E27FC236}">
+                <a16:creationId xmlns:a16="http://schemas.microsoft.com/office/drawing/2014/main" id="{34C15FFB-5DF1-734F-B212-C4737D05962C}"/>
+              </a:ext>
+            </a:extLst>
+          </p:cNvPr>
+          <p:cNvCxnSpPr>
+            <a:cxnSpLocks/>
+          </p:cNvCxnSpPr>
+          <p:nvPr/>
+        </p:nvCxnSpPr>
+        <p:spPr>
+          <a:xfrm>
+            <a:off x="3198663" y="3741740"/>
+            <a:ext cx="828794" cy="506574"/>
+          </a:xfrm>
+          <a:prstGeom prst="straightConnector1">
+            <a:avLst/>
+          </a:prstGeom>
+          <a:ln w="63500">
+            <a:solidFill>
+              <a:srgbClr val="FF0000"/>
+            </a:solidFill>
+            <a:tailEnd type="triangle"/>
+          </a:ln>
+        </p:spPr>
+        <p:style>
+          <a:lnRef idx="1">
+            <a:schemeClr val="accent1"/>
+          </a:lnRef>
+          <a:fillRef idx="0">
+            <a:schemeClr val="accent1"/>
+          </a:fillRef>
+          <a:effectRef idx="0">
+            <a:schemeClr val="accent1"/>
+          </a:effectRef>
+          <a:fontRef idx="minor">
+            <a:schemeClr val="tx1"/>
+          </a:fontRef>
+        </p:style>
+      </p:cxnSp>
+    </p:spTree>
+    <p:extLst>
+      <p:ext uri="{BB962C8B-B14F-4D97-AF65-F5344CB8AC3E}">
+        <p14:creationId xmlns:p14="http://schemas.microsoft.com/office/powerpoint/2010/main" val="3034946200"/>
+      </p:ext>
+    </p:extLst>
+  </p:cSld>
+  <p:clrMapOvr>
+    <a:masterClrMapping/>
+  </p:clrMapOvr>
+</p:sld>
+</file>
+
+<file path=ppt/slides/slide3.xml><?xml version="1.0" encoding="utf-8"?>
+<p:sld xmlns:a="http://schemas.openxmlformats.org/drawingml/2006/main" xmlns:r="http://schemas.openxmlformats.org/officeDocument/2006/relationships" xmlns:p="http://schemas.openxmlformats.org/presentationml/2006/main">
+  <p:cSld>
+    <p:spTree>
+      <p:nvGrpSpPr>
+        <p:cNvPr id="1" name=""/>
+        <p:cNvGrpSpPr/>
+        <p:nvPr/>
+      </p:nvGrpSpPr>
+      <p:grpSpPr>
+        <a:xfrm>
+          <a:off x="0" y="0"/>
+          <a:ext cx="0" cy="0"/>
+          <a:chOff x="0" y="0"/>
+          <a:chExt cx="0" cy="0"/>
+        </a:xfrm>
+      </p:grpSpPr>
+      <p:sp>
+        <p:nvSpPr>
+          <p:cNvPr id="2" name="Rectangle 1">
+            <a:extLst>
+              <a:ext uri="{FF2B5EF4-FFF2-40B4-BE49-F238E27FC236}">
+                <a16:creationId xmlns:a16="http://schemas.microsoft.com/office/drawing/2014/main" id="{2B39C22B-0A50-D940-BBFE-55ACC4536CA1}"/>
+              </a:ext>
+            </a:extLst>
+          </p:cNvPr>
+          <p:cNvSpPr/>
+          <p:nvPr/>
+        </p:nvSpPr>
+        <p:spPr>
+          <a:xfrm>
+            <a:off x="2113588" y="2570206"/>
+            <a:ext cx="1287533" cy="667265"/>
+          </a:xfrm>
+          <a:prstGeom prst="rect">
+            <a:avLst/>
+          </a:prstGeom>
+          <a:solidFill>
+            <a:schemeClr val="accent1">
+              <a:lumMod val="40000"/>
+              <a:lumOff val="60000"/>
+            </a:schemeClr>
+          </a:solidFill>
+        </p:spPr>
+        <p:style>
+          <a:lnRef idx="2">
+            <a:schemeClr val="accent1">
+              <a:shade val="50000"/>
+            </a:schemeClr>
+          </a:lnRef>
+          <a:fillRef idx="1">
+            <a:schemeClr val="accent1"/>
+          </a:fillRef>
+          <a:effectRef idx="0">
+            <a:schemeClr val="accent1"/>
+          </a:effectRef>
+          <a:fontRef idx="minor">
+            <a:schemeClr val="lt1"/>
+          </a:fontRef>
+        </p:style>
+        <p:txBody>
+          <a:bodyPr lIns="0" rIns="0" rtlCol="0" anchor="ctr"/>
+          <a:lstStyle/>
+          <a:p>
+            <a:pPr lvl="1"/>
+            <a:r>
+              <a:rPr lang="en-US" dirty="0">
+                <a:solidFill>
+                  <a:schemeClr val="tx1"/>
+                </a:solidFill>
+              </a:rPr>
+              <a:t>MQTT Broker</a:t>
+            </a:r>
+          </a:p>
+        </p:txBody>
+      </p:sp>
+      <p:sp>
+        <p:nvSpPr>
+          <p:cNvPr id="3" name="Oval 2">
+            <a:extLst>
+              <a:ext uri="{FF2B5EF4-FFF2-40B4-BE49-F238E27FC236}">
+                <a16:creationId xmlns:a16="http://schemas.microsoft.com/office/drawing/2014/main" id="{33CB9289-A019-0841-9D05-768471812962}"/>
+              </a:ext>
+            </a:extLst>
+          </p:cNvPr>
+          <p:cNvSpPr/>
+          <p:nvPr/>
+        </p:nvSpPr>
+        <p:spPr>
+          <a:xfrm>
+            <a:off x="630194" y="1544594"/>
+            <a:ext cx="481914" cy="481914"/>
+          </a:xfrm>
+          <a:prstGeom prst="ellipse">
+            <a:avLst/>
+          </a:prstGeom>
+          <a:solidFill>
+            <a:schemeClr val="accent2">
+              <a:lumMod val="40000"/>
+              <a:lumOff val="60000"/>
+            </a:schemeClr>
+          </a:solidFill>
+        </p:spPr>
+        <p:style>
+          <a:lnRef idx="2">
+            <a:schemeClr val="accent1">
+              <a:shade val="50000"/>
+            </a:schemeClr>
+          </a:lnRef>
+          <a:fillRef idx="1">
+            <a:schemeClr val="accent1"/>
+          </a:fillRef>
+          <a:effectRef idx="0">
+            <a:schemeClr val="accent1"/>
+          </a:effectRef>
+          <a:fontRef idx="minor">
+            <a:schemeClr val="lt1"/>
+          </a:fontRef>
+        </p:style>
+        <p:txBody>
+          <a:bodyPr rtlCol="0" anchor="ctr"/>
+          <a:lstStyle/>
+          <a:p>
+            <a:pPr algn="ctr"/>
+            <a:endParaRPr lang="en-US"/>
+          </a:p>
+        </p:txBody>
+      </p:sp>
+      <p:sp>
+        <p:nvSpPr>
+          <p:cNvPr id="4" name="Oval 3">
+            <a:extLst>
+              <a:ext uri="{FF2B5EF4-FFF2-40B4-BE49-F238E27FC236}">
+                <a16:creationId xmlns:a16="http://schemas.microsoft.com/office/drawing/2014/main" id="{6566BB00-B258-B04F-8312-BBF8CEFC1FDB}"/>
+              </a:ext>
+            </a:extLst>
+          </p:cNvPr>
+          <p:cNvSpPr/>
+          <p:nvPr/>
+        </p:nvSpPr>
+        <p:spPr>
+          <a:xfrm>
+            <a:off x="630194" y="2088292"/>
+            <a:ext cx="481914" cy="481914"/>
+          </a:xfrm>
+          <a:prstGeom prst="ellipse">
+            <a:avLst/>
+          </a:prstGeom>
+          <a:solidFill>
+            <a:schemeClr val="accent2">
+              <a:lumMod val="40000"/>
+              <a:lumOff val="60000"/>
+            </a:schemeClr>
+          </a:solidFill>
+        </p:spPr>
+        <p:style>
+          <a:lnRef idx="2">
+            <a:schemeClr val="accent1">
+              <a:shade val="50000"/>
+            </a:schemeClr>
+          </a:lnRef>
+          <a:fillRef idx="1">
+            <a:schemeClr val="accent1"/>
+          </a:fillRef>
+          <a:effectRef idx="0">
+            <a:schemeClr val="accent1"/>
+          </a:effectRef>
+          <a:fontRef idx="minor">
+            <a:schemeClr val="lt1"/>
+          </a:fontRef>
+        </p:style>
+        <p:txBody>
+          <a:bodyPr rtlCol="0" anchor="ctr"/>
+          <a:lstStyle/>
+          <a:p>
+            <a:pPr algn="ctr"/>
+            <a:endParaRPr lang="en-US"/>
+          </a:p>
+        </p:txBody>
+      </p:sp>
+      <p:sp>
+        <p:nvSpPr>
+          <p:cNvPr id="5" name="Oval 4">
+            <a:extLst>
+              <a:ext uri="{FF2B5EF4-FFF2-40B4-BE49-F238E27FC236}">
+                <a16:creationId xmlns:a16="http://schemas.microsoft.com/office/drawing/2014/main" id="{63F53ED8-C74B-7449-B03B-D01A6E925958}"/>
+              </a:ext>
+            </a:extLst>
+          </p:cNvPr>
+          <p:cNvSpPr/>
+          <p:nvPr/>
+        </p:nvSpPr>
+        <p:spPr>
+          <a:xfrm>
+            <a:off x="630194" y="2644347"/>
+            <a:ext cx="481914" cy="481914"/>
+          </a:xfrm>
+          <a:prstGeom prst="ellipse">
+            <a:avLst/>
+          </a:prstGeom>
+          <a:solidFill>
+            <a:schemeClr val="accent2">
+              <a:lumMod val="60000"/>
+              <a:lumOff val="40000"/>
+            </a:schemeClr>
+          </a:solidFill>
+        </p:spPr>
+        <p:style>
+          <a:lnRef idx="2">
+            <a:schemeClr val="accent1">
+              <a:shade val="50000"/>
+            </a:schemeClr>
+          </a:lnRef>
+          <a:fillRef idx="1">
+            <a:schemeClr val="accent1"/>
+          </a:fillRef>
+          <a:effectRef idx="0">
+            <a:schemeClr val="accent1"/>
+          </a:effectRef>
+          <a:fontRef idx="minor">
+            <a:schemeClr val="lt1"/>
+          </a:fontRef>
+        </p:style>
+        <p:txBody>
+          <a:bodyPr rtlCol="0" anchor="ctr"/>
+          <a:lstStyle/>
+          <a:p>
+            <a:pPr algn="ctr"/>
+            <a:endParaRPr lang="en-US"/>
+          </a:p>
+        </p:txBody>
+      </p:sp>
+      <p:sp>
+        <p:nvSpPr>
+          <p:cNvPr id="6" name="Oval 5">
+            <a:extLst>
+              <a:ext uri="{FF2B5EF4-FFF2-40B4-BE49-F238E27FC236}">
+                <a16:creationId xmlns:a16="http://schemas.microsoft.com/office/drawing/2014/main" id="{10B549BC-3968-8B4B-B4AA-39C4B6B1C3C4}"/>
+              </a:ext>
+            </a:extLst>
+          </p:cNvPr>
+          <p:cNvSpPr/>
+          <p:nvPr/>
+        </p:nvSpPr>
+        <p:spPr>
+          <a:xfrm>
+            <a:off x="630194" y="3731740"/>
+            <a:ext cx="481914" cy="481914"/>
+          </a:xfrm>
+          <a:prstGeom prst="ellipse">
+            <a:avLst/>
+          </a:prstGeom>
+          <a:solidFill>
+            <a:schemeClr val="accent2">
+              <a:lumMod val="40000"/>
+              <a:lumOff val="60000"/>
+            </a:schemeClr>
+          </a:solidFill>
+        </p:spPr>
+        <p:style>
+          <a:lnRef idx="2">
+            <a:schemeClr val="accent1">
+              <a:shade val="50000"/>
+            </a:schemeClr>
+          </a:lnRef>
+          <a:fillRef idx="1">
+            <a:schemeClr val="accent1"/>
+          </a:fillRef>
+          <a:effectRef idx="0">
+            <a:schemeClr val="accent1"/>
+          </a:effectRef>
+          <a:fontRef idx="minor">
+            <a:schemeClr val="lt1"/>
+          </a:fontRef>
+        </p:style>
+        <p:txBody>
+          <a:bodyPr rtlCol="0" anchor="ctr"/>
+          <a:lstStyle/>
+          <a:p>
+            <a:pPr algn="ctr"/>
+            <a:endParaRPr lang="en-US"/>
+          </a:p>
+        </p:txBody>
+      </p:sp>
+      <p:sp>
+        <p:nvSpPr>
+          <p:cNvPr id="7" name="TextBox 6">
+            <a:extLst>
+              <a:ext uri="{FF2B5EF4-FFF2-40B4-BE49-F238E27FC236}">
+                <a16:creationId xmlns:a16="http://schemas.microsoft.com/office/drawing/2014/main" id="{EB79C950-D9E8-1743-83FF-04AAED79CB22}"/>
+              </a:ext>
+            </a:extLst>
+          </p:cNvPr>
+          <p:cNvSpPr txBox="1"/>
+          <p:nvPr/>
+        </p:nvSpPr>
+        <p:spPr>
+          <a:xfrm>
+            <a:off x="566420" y="2885304"/>
+            <a:ext cx="609462" cy="830997"/>
+          </a:xfrm>
+          <a:prstGeom prst="rect">
+            <a:avLst/>
+          </a:prstGeom>
+          <a:noFill/>
+        </p:spPr>
+        <p:txBody>
+          <a:bodyPr wrap="none" rtlCol="0">
+            <a:spAutoFit/>
+          </a:bodyPr>
+          <a:lstStyle/>
+          <a:p>
+            <a:r>
+              <a:rPr lang="en-US" sz="4800" dirty="0"/>
+              <a:t>…</a:t>
+            </a:r>
+          </a:p>
+        </p:txBody>
+      </p:sp>
+      <p:sp>
+        <p:nvSpPr>
+          <p:cNvPr id="8" name="Rounded Rectangle 7">
+            <a:extLst>
+              <a:ext uri="{FF2B5EF4-FFF2-40B4-BE49-F238E27FC236}">
+                <a16:creationId xmlns:a16="http://schemas.microsoft.com/office/drawing/2014/main" id="{777B706B-8F4E-0940-A010-43DE4B783DA7}"/>
+              </a:ext>
+            </a:extLst>
+          </p:cNvPr>
+          <p:cNvSpPr/>
+          <p:nvPr/>
+        </p:nvSpPr>
+        <p:spPr>
+          <a:xfrm>
+            <a:off x="5253170" y="2608325"/>
+            <a:ext cx="1471961" cy="591015"/>
+          </a:xfrm>
+          <a:prstGeom prst="roundRect">
+            <a:avLst/>
+          </a:prstGeom>
+          <a:solidFill>
+            <a:schemeClr val="accent6">
+              <a:lumMod val="60000"/>
+              <a:lumOff val="40000"/>
+            </a:schemeClr>
+          </a:solidFill>
+        </p:spPr>
+        <p:style>
+          <a:lnRef idx="2">
+            <a:schemeClr val="accent1">
+              <a:shade val="50000"/>
+            </a:schemeClr>
+          </a:lnRef>
+          <a:fillRef idx="1">
+            <a:schemeClr val="accent1"/>
+          </a:fillRef>
+          <a:effectRef idx="0">
+            <a:schemeClr val="accent1"/>
+          </a:effectRef>
+          <a:fontRef idx="minor">
+            <a:schemeClr val="lt1"/>
+          </a:fontRef>
+        </p:style>
+        <p:txBody>
+          <a:bodyPr rtlCol="0" anchor="ctr"/>
+          <a:lstStyle/>
+          <a:p>
+            <a:pPr algn="ctr"/>
+            <a:r>
+              <a:rPr lang="en-US" dirty="0">
+                <a:solidFill>
+                  <a:schemeClr val="tx1"/>
+                </a:solidFill>
+              </a:rPr>
+              <a:t>Client</a:t>
+            </a:r>
+          </a:p>
+        </p:txBody>
+      </p:sp>
+      <p:sp>
+        <p:nvSpPr>
+          <p:cNvPr id="9" name="Rounded Rectangle 8">
+            <a:extLst>
+              <a:ext uri="{FF2B5EF4-FFF2-40B4-BE49-F238E27FC236}">
+                <a16:creationId xmlns:a16="http://schemas.microsoft.com/office/drawing/2014/main" id="{9F6C4602-E296-9245-A4C6-079DFFED5C1F}"/>
+              </a:ext>
+            </a:extLst>
+          </p:cNvPr>
+          <p:cNvSpPr/>
+          <p:nvPr/>
+        </p:nvSpPr>
+        <p:spPr>
+          <a:xfrm>
+            <a:off x="5253170" y="3455218"/>
+            <a:ext cx="1471961" cy="591015"/>
+          </a:xfrm>
+          <a:prstGeom prst="roundRect">
+            <a:avLst/>
+          </a:prstGeom>
+          <a:solidFill>
+            <a:schemeClr val="accent6">
+              <a:lumMod val="60000"/>
+              <a:lumOff val="40000"/>
+            </a:schemeClr>
+          </a:solidFill>
+        </p:spPr>
+        <p:style>
+          <a:lnRef idx="2">
+            <a:schemeClr val="accent1">
+              <a:shade val="50000"/>
+            </a:schemeClr>
+          </a:lnRef>
+          <a:fillRef idx="1">
+            <a:schemeClr val="accent1"/>
+          </a:fillRef>
+          <a:effectRef idx="0">
+            <a:schemeClr val="accent1"/>
+          </a:effectRef>
+          <a:fontRef idx="minor">
+            <a:schemeClr val="lt1"/>
+          </a:fontRef>
+        </p:style>
+        <p:txBody>
+          <a:bodyPr rtlCol="0" anchor="ctr"/>
+          <a:lstStyle/>
+          <a:p>
+            <a:pPr algn="ctr"/>
+            <a:r>
+              <a:rPr lang="en-US" dirty="0">
+                <a:solidFill>
+                  <a:schemeClr val="tx1"/>
+                </a:solidFill>
+              </a:rPr>
+              <a:t>Client</a:t>
+            </a:r>
+          </a:p>
+        </p:txBody>
+      </p:sp>
+      <p:sp>
+        <p:nvSpPr>
+          <p:cNvPr id="10" name="Rounded Rectangle 9">
+            <a:extLst>
+              <a:ext uri="{FF2B5EF4-FFF2-40B4-BE49-F238E27FC236}">
+                <a16:creationId xmlns:a16="http://schemas.microsoft.com/office/drawing/2014/main" id="{FEACA0A6-6AC2-4C41-BA91-C724FC14025C}"/>
+              </a:ext>
+            </a:extLst>
+          </p:cNvPr>
+          <p:cNvSpPr/>
+          <p:nvPr/>
+        </p:nvSpPr>
+        <p:spPr>
+          <a:xfrm>
+            <a:off x="5253169" y="1761432"/>
+            <a:ext cx="1471961" cy="591015"/>
+          </a:xfrm>
+          <a:prstGeom prst="roundRect">
+            <a:avLst/>
+          </a:prstGeom>
+          <a:solidFill>
+            <a:schemeClr val="accent6">
+              <a:lumMod val="60000"/>
+              <a:lumOff val="40000"/>
+            </a:schemeClr>
+          </a:solidFill>
+        </p:spPr>
+        <p:style>
+          <a:lnRef idx="2">
+            <a:schemeClr val="accent1">
+              <a:shade val="50000"/>
+            </a:schemeClr>
+          </a:lnRef>
+          <a:fillRef idx="1">
+            <a:schemeClr val="accent1"/>
+          </a:fillRef>
+          <a:effectRef idx="0">
+            <a:schemeClr val="accent1"/>
+          </a:effectRef>
+          <a:fontRef idx="minor">
+            <a:schemeClr val="lt1"/>
+          </a:fontRef>
+        </p:style>
+        <p:txBody>
+          <a:bodyPr rtlCol="0" anchor="ctr"/>
+          <a:lstStyle/>
+          <a:p>
+            <a:pPr algn="ctr"/>
+            <a:r>
+              <a:rPr lang="en-US" dirty="0">
+                <a:solidFill>
+                  <a:schemeClr val="tx1"/>
+                </a:solidFill>
+              </a:rPr>
+              <a:t>Client</a:t>
+            </a:r>
+          </a:p>
+        </p:txBody>
+      </p:sp>
+      <p:sp>
+        <p:nvSpPr>
+          <p:cNvPr id="11" name="Rounded Rectangle 10">
+            <a:extLst>
+              <a:ext uri="{FF2B5EF4-FFF2-40B4-BE49-F238E27FC236}">
+                <a16:creationId xmlns:a16="http://schemas.microsoft.com/office/drawing/2014/main" id="{81B39687-19FF-6245-B81B-F42B34E0A663}"/>
+              </a:ext>
+            </a:extLst>
+          </p:cNvPr>
+          <p:cNvSpPr/>
+          <p:nvPr/>
+        </p:nvSpPr>
+        <p:spPr>
+          <a:xfrm>
+            <a:off x="5253168" y="4306031"/>
+            <a:ext cx="1471961" cy="591015"/>
+          </a:xfrm>
+          <a:prstGeom prst="roundRect">
+            <a:avLst/>
+          </a:prstGeom>
+          <a:solidFill>
+            <a:schemeClr val="accent6">
+              <a:lumMod val="60000"/>
+              <a:lumOff val="40000"/>
+            </a:schemeClr>
+          </a:solidFill>
+        </p:spPr>
+        <p:style>
+          <a:lnRef idx="2">
+            <a:schemeClr val="accent1">
+              <a:shade val="50000"/>
+            </a:schemeClr>
+          </a:lnRef>
+          <a:fillRef idx="1">
+            <a:schemeClr val="accent1"/>
+          </a:fillRef>
+          <a:effectRef idx="0">
+            <a:schemeClr val="accent1"/>
+          </a:effectRef>
+          <a:fontRef idx="minor">
+            <a:schemeClr val="lt1"/>
+          </a:fontRef>
+        </p:style>
+        <p:txBody>
+          <a:bodyPr rtlCol="0" anchor="ctr"/>
+          <a:lstStyle/>
+          <a:p>
+            <a:pPr algn="ctr"/>
+            <a:r>
+              <a:rPr lang="en-US" dirty="0">
+                <a:solidFill>
+                  <a:schemeClr val="tx1"/>
+                </a:solidFill>
+              </a:rPr>
+              <a:t>Client</a:t>
+            </a:r>
+          </a:p>
+        </p:txBody>
+      </p:sp>
+      <p:sp>
+        <p:nvSpPr>
+          <p:cNvPr id="12" name="Rounded Rectangle 11">
+            <a:extLst>
+              <a:ext uri="{FF2B5EF4-FFF2-40B4-BE49-F238E27FC236}">
+                <a16:creationId xmlns:a16="http://schemas.microsoft.com/office/drawing/2014/main" id="{BA2383C6-F779-8649-B066-1184C537689A}"/>
+              </a:ext>
+            </a:extLst>
+          </p:cNvPr>
+          <p:cNvSpPr/>
+          <p:nvPr/>
+        </p:nvSpPr>
+        <p:spPr>
+          <a:xfrm>
+            <a:off x="5253167" y="910619"/>
+            <a:ext cx="1471961" cy="591015"/>
+          </a:xfrm>
+          <a:prstGeom prst="roundRect">
+            <a:avLst/>
+          </a:prstGeom>
+          <a:solidFill>
+            <a:schemeClr val="accent6">
+              <a:lumMod val="60000"/>
+              <a:lumOff val="40000"/>
+            </a:schemeClr>
+          </a:solidFill>
+        </p:spPr>
+        <p:style>
+          <a:lnRef idx="2">
+            <a:schemeClr val="accent1">
+              <a:shade val="50000"/>
+            </a:schemeClr>
+          </a:lnRef>
+          <a:fillRef idx="1">
+            <a:schemeClr val="accent1"/>
+          </a:fillRef>
+          <a:effectRef idx="0">
+            <a:schemeClr val="accent1"/>
+          </a:effectRef>
+          <a:fontRef idx="minor">
+            <a:schemeClr val="lt1"/>
+          </a:fontRef>
+        </p:style>
+        <p:txBody>
+          <a:bodyPr rtlCol="0" anchor="ctr"/>
+          <a:lstStyle/>
+          <a:p>
+            <a:pPr algn="ctr"/>
+            <a:r>
+              <a:rPr lang="en-US" dirty="0">
+                <a:solidFill>
+                  <a:schemeClr val="tx1"/>
+                </a:solidFill>
+              </a:rPr>
+              <a:t>Client</a:t>
+            </a:r>
+          </a:p>
+        </p:txBody>
+      </p:sp>
+      <p:cxnSp>
+        <p:nvCxnSpPr>
+          <p:cNvPr id="14" name="Straight Arrow Connector 13">
+            <a:extLst>
+              <a:ext uri="{FF2B5EF4-FFF2-40B4-BE49-F238E27FC236}">
+                <a16:creationId xmlns:a16="http://schemas.microsoft.com/office/drawing/2014/main" id="{217AEC11-4435-8D46-8F00-EAD178A6EF25}"/>
+              </a:ext>
+            </a:extLst>
+          </p:cNvPr>
+          <p:cNvCxnSpPr>
+            <a:cxnSpLocks/>
+          </p:cNvCxnSpPr>
+          <p:nvPr/>
+        </p:nvCxnSpPr>
+        <p:spPr>
+          <a:xfrm>
+            <a:off x="3565619" y="2903832"/>
+            <a:ext cx="1579756" cy="0"/>
+          </a:xfrm>
+          <a:prstGeom prst="straightConnector1">
+            <a:avLst/>
+          </a:prstGeom>
+          <a:ln>
+            <a:headEnd type="triangle"/>
+            <a:tailEnd type="triangle"/>
+          </a:ln>
+        </p:spPr>
+        <p:style>
+          <a:lnRef idx="1">
+            <a:schemeClr val="accent1"/>
+          </a:lnRef>
+          <a:fillRef idx="0">
+            <a:schemeClr val="accent1"/>
+          </a:fillRef>
+          <a:effectRef idx="0">
+            <a:schemeClr val="accent1"/>
+          </a:effectRef>
+          <a:fontRef idx="minor">
+            <a:schemeClr val="tx1"/>
+          </a:fontRef>
+        </p:style>
+      </p:cxnSp>
+      <p:cxnSp>
+        <p:nvCxnSpPr>
+          <p:cNvPr id="17" name="Straight Arrow Connector 16">
+            <a:extLst>
+              <a:ext uri="{FF2B5EF4-FFF2-40B4-BE49-F238E27FC236}">
+                <a16:creationId xmlns:a16="http://schemas.microsoft.com/office/drawing/2014/main" id="{AF673500-B6BB-9D4E-9F02-BAA78D358649}"/>
+              </a:ext>
+            </a:extLst>
+          </p:cNvPr>
+          <p:cNvCxnSpPr>
+            <a:cxnSpLocks/>
+          </p:cNvCxnSpPr>
+          <p:nvPr/>
+        </p:nvCxnSpPr>
+        <p:spPr>
+          <a:xfrm>
+            <a:off x="3565619" y="2903832"/>
+            <a:ext cx="1579756" cy="923093"/>
+          </a:xfrm>
+          <a:prstGeom prst="straightConnector1">
+            <a:avLst/>
+          </a:prstGeom>
+          <a:ln>
+            <a:headEnd type="triangle"/>
+            <a:tailEnd type="triangle"/>
+          </a:ln>
+        </p:spPr>
+        <p:style>
+          <a:lnRef idx="1">
+            <a:schemeClr val="accent1"/>
+          </a:lnRef>
+          <a:fillRef idx="0">
+            <a:schemeClr val="accent1"/>
+          </a:fillRef>
+          <a:effectRef idx="0">
+            <a:schemeClr val="accent1"/>
+          </a:effectRef>
+          <a:fontRef idx="minor">
+            <a:schemeClr val="tx1"/>
+          </a:fontRef>
+        </p:style>
+      </p:cxnSp>
+      <p:cxnSp>
+        <p:nvCxnSpPr>
+          <p:cNvPr id="20" name="Straight Arrow Connector 19">
+            <a:extLst>
+              <a:ext uri="{FF2B5EF4-FFF2-40B4-BE49-F238E27FC236}">
+                <a16:creationId xmlns:a16="http://schemas.microsoft.com/office/drawing/2014/main" id="{0B6AF0D7-DD4F-3F45-AE79-E71A89D26018}"/>
+              </a:ext>
+            </a:extLst>
+          </p:cNvPr>
+          <p:cNvCxnSpPr>
+            <a:cxnSpLocks/>
+          </p:cNvCxnSpPr>
+          <p:nvPr/>
+        </p:nvCxnSpPr>
+        <p:spPr>
+          <a:xfrm>
+            <a:off x="3565619" y="2903831"/>
+            <a:ext cx="1579756" cy="1697707"/>
+          </a:xfrm>
+          <a:prstGeom prst="straightConnector1">
+            <a:avLst/>
+          </a:prstGeom>
+          <a:ln>
+            <a:headEnd type="triangle"/>
+            <a:tailEnd type="triangle"/>
+          </a:ln>
+        </p:spPr>
+        <p:style>
+          <a:lnRef idx="1">
+            <a:schemeClr val="accent1"/>
+          </a:lnRef>
+          <a:fillRef idx="0">
+            <a:schemeClr val="accent1"/>
+          </a:fillRef>
+          <a:effectRef idx="0">
+            <a:schemeClr val="accent1"/>
+          </a:effectRef>
+          <a:fontRef idx="minor">
+            <a:schemeClr val="tx1"/>
+          </a:fontRef>
+        </p:style>
+      </p:cxnSp>
+      <p:cxnSp>
+        <p:nvCxnSpPr>
+          <p:cNvPr id="23" name="Straight Arrow Connector 22">
+            <a:extLst>
+              <a:ext uri="{FF2B5EF4-FFF2-40B4-BE49-F238E27FC236}">
+                <a16:creationId xmlns:a16="http://schemas.microsoft.com/office/drawing/2014/main" id="{32CC636B-32C2-884B-8E06-4A8C5AD776D7}"/>
+              </a:ext>
+            </a:extLst>
+          </p:cNvPr>
+          <p:cNvCxnSpPr>
+            <a:cxnSpLocks/>
+          </p:cNvCxnSpPr>
+          <p:nvPr/>
+        </p:nvCxnSpPr>
+        <p:spPr>
+          <a:xfrm flipV="1">
+            <a:off x="3565619" y="2056940"/>
+            <a:ext cx="1579756" cy="846890"/>
+          </a:xfrm>
+          <a:prstGeom prst="straightConnector1">
+            <a:avLst/>
+          </a:prstGeom>
+          <a:ln>
+            <a:headEnd type="triangle"/>
+            <a:tailEnd type="triangle"/>
+          </a:ln>
+        </p:spPr>
+        <p:style>
+          <a:lnRef idx="1">
+            <a:schemeClr val="accent1"/>
+          </a:lnRef>
+          <a:fillRef idx="0">
+            <a:schemeClr val="accent1"/>
+          </a:fillRef>
+          <a:effectRef idx="0">
+            <a:schemeClr val="accent1"/>
+          </a:effectRef>
+          <a:fontRef idx="minor">
+            <a:schemeClr val="tx1"/>
+          </a:fontRef>
+        </p:style>
+      </p:cxnSp>
+      <p:cxnSp>
+        <p:nvCxnSpPr>
+          <p:cNvPr id="27" name="Straight Arrow Connector 26">
+            <a:extLst>
+              <a:ext uri="{FF2B5EF4-FFF2-40B4-BE49-F238E27FC236}">
+                <a16:creationId xmlns:a16="http://schemas.microsoft.com/office/drawing/2014/main" id="{CE10CDD5-3778-1A40-8560-CC9BA5256476}"/>
+              </a:ext>
+            </a:extLst>
+          </p:cNvPr>
+          <p:cNvCxnSpPr>
+            <a:cxnSpLocks/>
+          </p:cNvCxnSpPr>
+          <p:nvPr/>
+        </p:nvCxnSpPr>
+        <p:spPr>
+          <a:xfrm flipV="1">
+            <a:off x="3565619" y="1206126"/>
+            <a:ext cx="1579756" cy="1697704"/>
+          </a:xfrm>
+          <a:prstGeom prst="straightConnector1">
+            <a:avLst/>
+          </a:prstGeom>
+          <a:ln>
+            <a:headEnd type="triangle"/>
+            <a:tailEnd type="triangle"/>
+          </a:ln>
+        </p:spPr>
+        <p:style>
+          <a:lnRef idx="1">
+            <a:schemeClr val="accent1"/>
+          </a:lnRef>
+          <a:fillRef idx="0">
+            <a:schemeClr val="accent1"/>
+          </a:fillRef>
+          <a:effectRef idx="0">
+            <a:schemeClr val="accent1"/>
+          </a:effectRef>
+          <a:fontRef idx="minor">
+            <a:schemeClr val="tx1"/>
+          </a:fontRef>
+        </p:style>
+      </p:cxnSp>
+      <p:cxnSp>
+        <p:nvCxnSpPr>
+          <p:cNvPr id="31" name="Straight Arrow Connector 30">
+            <a:extLst>
+              <a:ext uri="{FF2B5EF4-FFF2-40B4-BE49-F238E27FC236}">
+                <a16:creationId xmlns:a16="http://schemas.microsoft.com/office/drawing/2014/main" id="{2B5EBE8C-BA6B-1742-A531-F01760A27071}"/>
+              </a:ext>
+            </a:extLst>
+          </p:cNvPr>
+          <p:cNvCxnSpPr>
+            <a:cxnSpLocks/>
+          </p:cNvCxnSpPr>
+          <p:nvPr/>
+        </p:nvCxnSpPr>
+        <p:spPr>
+          <a:xfrm>
+            <a:off x="1175882" y="2903834"/>
+            <a:ext cx="814964" cy="0"/>
+          </a:xfrm>
+          <a:prstGeom prst="straightConnector1">
+            <a:avLst/>
+          </a:prstGeom>
+          <a:ln>
+            <a:headEnd type="none"/>
+            <a:tailEnd type="triangle"/>
+          </a:ln>
+        </p:spPr>
+        <p:style>
+          <a:lnRef idx="1">
+            <a:schemeClr val="accent1"/>
+          </a:lnRef>
+          <a:fillRef idx="0">
+            <a:schemeClr val="accent1"/>
+          </a:fillRef>
+          <a:effectRef idx="0">
+            <a:schemeClr val="accent1"/>
+          </a:effectRef>
+          <a:fontRef idx="minor">
+            <a:schemeClr val="tx1"/>
+          </a:fontRef>
+        </p:style>
+      </p:cxnSp>
+      <p:cxnSp>
+        <p:nvCxnSpPr>
+          <p:cNvPr id="33" name="Straight Arrow Connector 32">
+            <a:extLst>
+              <a:ext uri="{FF2B5EF4-FFF2-40B4-BE49-F238E27FC236}">
+                <a16:creationId xmlns:a16="http://schemas.microsoft.com/office/drawing/2014/main" id="{3F4433DC-9703-5746-ADB6-3EBB17BD908E}"/>
+              </a:ext>
+            </a:extLst>
+          </p:cNvPr>
+          <p:cNvCxnSpPr>
+            <a:cxnSpLocks/>
+          </p:cNvCxnSpPr>
+          <p:nvPr/>
+        </p:nvCxnSpPr>
+        <p:spPr>
+          <a:xfrm flipV="1">
+            <a:off x="1175882" y="2903834"/>
+            <a:ext cx="814964" cy="1068865"/>
+          </a:xfrm>
+          <a:prstGeom prst="straightConnector1">
+            <a:avLst/>
+          </a:prstGeom>
+          <a:ln>
+            <a:solidFill>
+              <a:schemeClr val="accent1">
+                <a:lumMod val="60000"/>
+                <a:lumOff val="40000"/>
+              </a:schemeClr>
+            </a:solidFill>
+            <a:prstDash val="dash"/>
+            <a:headEnd type="none"/>
+            <a:tailEnd type="triangle"/>
+          </a:ln>
+        </p:spPr>
+        <p:style>
+          <a:lnRef idx="1">
+            <a:schemeClr val="accent1"/>
+          </a:lnRef>
+          <a:fillRef idx="0">
+            <a:schemeClr val="accent1"/>
+          </a:fillRef>
+          <a:effectRef idx="0">
+            <a:schemeClr val="accent1"/>
+          </a:effectRef>
+          <a:fontRef idx="minor">
+            <a:schemeClr val="tx1"/>
+          </a:fontRef>
+        </p:style>
+      </p:cxnSp>
+      <p:cxnSp>
+        <p:nvCxnSpPr>
+          <p:cNvPr id="37" name="Straight Arrow Connector 36">
+            <a:extLst>
+              <a:ext uri="{FF2B5EF4-FFF2-40B4-BE49-F238E27FC236}">
+                <a16:creationId xmlns:a16="http://schemas.microsoft.com/office/drawing/2014/main" id="{24E6E6B5-8D23-D941-B3D7-5686A4A80B3F}"/>
+              </a:ext>
+            </a:extLst>
+          </p:cNvPr>
+          <p:cNvCxnSpPr>
+            <a:cxnSpLocks/>
+          </p:cNvCxnSpPr>
+          <p:nvPr/>
+        </p:nvCxnSpPr>
+        <p:spPr>
+          <a:xfrm>
+            <a:off x="1175882" y="2329249"/>
+            <a:ext cx="814964" cy="574584"/>
+          </a:xfrm>
+          <a:prstGeom prst="straightConnector1">
+            <a:avLst/>
+          </a:prstGeom>
+          <a:ln>
+            <a:solidFill>
+              <a:schemeClr val="accent1">
+                <a:lumMod val="60000"/>
+                <a:lumOff val="40000"/>
+              </a:schemeClr>
+            </a:solidFill>
+            <a:prstDash val="dash"/>
+            <a:headEnd type="none"/>
+            <a:tailEnd type="triangle"/>
+          </a:ln>
+        </p:spPr>
+        <p:style>
+          <a:lnRef idx="1">
+            <a:schemeClr val="accent1"/>
+          </a:lnRef>
+          <a:fillRef idx="0">
+            <a:schemeClr val="accent1"/>
+          </a:fillRef>
+          <a:effectRef idx="0">
+            <a:schemeClr val="accent1"/>
+          </a:effectRef>
+          <a:fontRef idx="minor">
+            <a:schemeClr val="tx1"/>
+          </a:fontRef>
+        </p:style>
+      </p:cxnSp>
+      <p:cxnSp>
+        <p:nvCxnSpPr>
+          <p:cNvPr id="40" name="Straight Arrow Connector 39">
+            <a:extLst>
+              <a:ext uri="{FF2B5EF4-FFF2-40B4-BE49-F238E27FC236}">
+                <a16:creationId xmlns:a16="http://schemas.microsoft.com/office/drawing/2014/main" id="{EA6B38BA-B8F8-124F-85BC-77EA9AADBE4D}"/>
+              </a:ext>
+            </a:extLst>
+          </p:cNvPr>
+          <p:cNvCxnSpPr>
+            <a:cxnSpLocks/>
+          </p:cNvCxnSpPr>
+          <p:nvPr/>
+        </p:nvCxnSpPr>
+        <p:spPr>
+          <a:xfrm>
+            <a:off x="1175882" y="1785551"/>
+            <a:ext cx="814964" cy="1118282"/>
+          </a:xfrm>
+          <a:prstGeom prst="straightConnector1">
+            <a:avLst/>
+          </a:prstGeom>
+          <a:ln>
+            <a:solidFill>
+              <a:schemeClr val="accent1">
+                <a:lumMod val="60000"/>
+                <a:lumOff val="40000"/>
+              </a:schemeClr>
+            </a:solidFill>
+            <a:prstDash val="dash"/>
+            <a:headEnd type="none"/>
+            <a:tailEnd type="triangle"/>
+          </a:ln>
+        </p:spPr>
+        <p:style>
+          <a:lnRef idx="1">
+            <a:schemeClr val="accent1"/>
+          </a:lnRef>
+          <a:fillRef idx="0">
+            <a:schemeClr val="accent1"/>
+          </a:fillRef>
+          <a:effectRef idx="0">
+            <a:schemeClr val="accent1"/>
+          </a:effectRef>
+          <a:fontRef idx="minor">
+            <a:schemeClr val="tx1"/>
+          </a:fontRef>
+        </p:style>
+      </p:cxnSp>
+      <p:cxnSp>
+        <p:nvCxnSpPr>
+          <p:cNvPr id="44" name="Straight Arrow Connector 43">
+            <a:extLst>
+              <a:ext uri="{FF2B5EF4-FFF2-40B4-BE49-F238E27FC236}">
+                <a16:creationId xmlns:a16="http://schemas.microsoft.com/office/drawing/2014/main" id="{FDB67FB9-D6DE-DA4E-B11E-57C7BB3922DC}"/>
+              </a:ext>
+            </a:extLst>
+          </p:cNvPr>
+          <p:cNvCxnSpPr>
+            <a:endCxn id="2" idx="1"/>
+          </p:cNvCxnSpPr>
+          <p:nvPr/>
+        </p:nvCxnSpPr>
+        <p:spPr>
+          <a:xfrm>
+            <a:off x="1990846" y="2903833"/>
+            <a:ext cx="122742" cy="6"/>
+          </a:xfrm>
+          <a:prstGeom prst="straightConnector1">
+            <a:avLst/>
+          </a:prstGeom>
+          <a:ln>
+            <a:tailEnd type="triangle"/>
+          </a:ln>
+        </p:spPr>
+        <p:style>
+          <a:lnRef idx="1">
+            <a:schemeClr val="accent1"/>
+          </a:lnRef>
+          <a:fillRef idx="0">
+            <a:schemeClr val="accent1"/>
+          </a:fillRef>
+          <a:effectRef idx="0">
+            <a:schemeClr val="accent1"/>
+          </a:effectRef>
+          <a:fontRef idx="minor">
+            <a:schemeClr val="tx1"/>
+          </a:fontRef>
+        </p:style>
+      </p:cxnSp>
+      <p:cxnSp>
+        <p:nvCxnSpPr>
+          <p:cNvPr id="46" name="Straight Arrow Connector 45">
+            <a:extLst>
+              <a:ext uri="{FF2B5EF4-FFF2-40B4-BE49-F238E27FC236}">
+                <a16:creationId xmlns:a16="http://schemas.microsoft.com/office/drawing/2014/main" id="{57BCDEE4-AFC8-BB45-97DF-9C2D37FF3DF1}"/>
+              </a:ext>
+            </a:extLst>
+          </p:cNvPr>
+          <p:cNvCxnSpPr>
+            <a:cxnSpLocks/>
+            <a:stCxn id="2" idx="3"/>
+          </p:cNvCxnSpPr>
+          <p:nvPr/>
+        </p:nvCxnSpPr>
+        <p:spPr>
+          <a:xfrm flipV="1">
+            <a:off x="3401121" y="2903832"/>
+            <a:ext cx="164498" cy="7"/>
+          </a:xfrm>
+          <a:prstGeom prst="straightConnector1">
+            <a:avLst/>
+          </a:prstGeom>
+          <a:ln>
+            <a:tailEnd type="triangle"/>
+          </a:ln>
+        </p:spPr>
+        <p:style>
+          <a:lnRef idx="1">
+            <a:schemeClr val="accent1"/>
+          </a:lnRef>
+          <a:fillRef idx="0">
+            <a:schemeClr val="accent1"/>
+          </a:fillRef>
+          <a:effectRef idx="0">
+            <a:schemeClr val="accent1"/>
+          </a:effectRef>
+          <a:fontRef idx="minor">
+            <a:schemeClr val="tx1"/>
+          </a:fontRef>
+        </p:style>
+      </p:cxnSp>
+      <p:sp>
+        <p:nvSpPr>
+          <p:cNvPr id="48" name="TextBox 47">
+            <a:extLst>
+              <a:ext uri="{FF2B5EF4-FFF2-40B4-BE49-F238E27FC236}">
+                <a16:creationId xmlns:a16="http://schemas.microsoft.com/office/drawing/2014/main" id="{C55C4057-1453-AC49-BF67-47428C3B9F3D}"/>
+              </a:ext>
+            </a:extLst>
+          </p:cNvPr>
+          <p:cNvSpPr txBox="1"/>
+          <p:nvPr/>
+        </p:nvSpPr>
+        <p:spPr>
+          <a:xfrm>
+            <a:off x="402021" y="5108028"/>
+            <a:ext cx="864339" cy="369332"/>
+          </a:xfrm>
+          <a:prstGeom prst="rect">
+            <a:avLst/>
+          </a:prstGeom>
+          <a:noFill/>
+        </p:spPr>
+        <p:txBody>
+          <a:bodyPr wrap="none" rtlCol="0">
+            <a:spAutoFit/>
+          </a:bodyPr>
+          <a:lstStyle/>
+          <a:p>
+            <a:r>
+              <a:rPr lang="en-US" dirty="0"/>
+              <a:t>Publish</a:t>
+            </a:r>
+          </a:p>
+        </p:txBody>
+      </p:sp>
+      <p:sp>
+        <p:nvSpPr>
+          <p:cNvPr id="50" name="TextBox 49">
+            <a:extLst>
+              <a:ext uri="{FF2B5EF4-FFF2-40B4-BE49-F238E27FC236}">
+                <a16:creationId xmlns:a16="http://schemas.microsoft.com/office/drawing/2014/main" id="{8167823B-424F-5241-A0F6-9366A109DC53}"/>
+              </a:ext>
+            </a:extLst>
+          </p:cNvPr>
+          <p:cNvSpPr txBox="1"/>
+          <p:nvPr/>
+        </p:nvSpPr>
+        <p:spPr>
+          <a:xfrm>
+            <a:off x="5550594" y="5108028"/>
+            <a:ext cx="1090811" cy="369332"/>
+          </a:xfrm>
+          <a:prstGeom prst="rect">
+            <a:avLst/>
+          </a:prstGeom>
+          <a:noFill/>
+        </p:spPr>
+        <p:txBody>
+          <a:bodyPr wrap="none" rtlCol="0">
+            <a:spAutoFit/>
+          </a:bodyPr>
+          <a:lstStyle/>
+          <a:p>
+            <a:r>
+              <a:rPr lang="en-US" dirty="0"/>
+              <a:t>Subscribe</a:t>
+            </a:r>
+          </a:p>
+        </p:txBody>
+      </p:sp>
+      <p:sp>
+        <p:nvSpPr>
+          <p:cNvPr id="51" name="Oval 50">
+            <a:extLst>
+              <a:ext uri="{FF2B5EF4-FFF2-40B4-BE49-F238E27FC236}">
+                <a16:creationId xmlns:a16="http://schemas.microsoft.com/office/drawing/2014/main" id="{E29D16A2-C3D9-D943-928F-307CBAB9E916}"/>
+              </a:ext>
+            </a:extLst>
+          </p:cNvPr>
+          <p:cNvSpPr/>
+          <p:nvPr/>
+        </p:nvSpPr>
+        <p:spPr>
+          <a:xfrm>
+            <a:off x="5074430" y="1064230"/>
+            <a:ext cx="141890" cy="141890"/>
+          </a:xfrm>
+          <a:prstGeom prst="ellipse">
+            <a:avLst/>
+          </a:prstGeom>
+          <a:solidFill>
+            <a:srgbClr val="FF0000"/>
+          </a:solidFill>
+        </p:spPr>
+        <p:style>
+          <a:lnRef idx="2">
+            <a:schemeClr val="accent1">
+              <a:shade val="50000"/>
+            </a:schemeClr>
+          </a:lnRef>
+          <a:fillRef idx="1">
+            <a:schemeClr val="accent1"/>
+          </a:fillRef>
+          <a:effectRef idx="0">
+            <a:schemeClr val="accent1"/>
+          </a:effectRef>
+          <a:fontRef idx="minor">
+            <a:schemeClr val="lt1"/>
+          </a:fontRef>
+        </p:style>
+        <p:txBody>
+          <a:bodyPr rtlCol="0" anchor="ctr"/>
+          <a:lstStyle/>
+          <a:p>
+            <a:pPr algn="ctr"/>
+            <a:endParaRPr lang="en-US"/>
+          </a:p>
+        </p:txBody>
+      </p:sp>
+      <p:sp>
+        <p:nvSpPr>
+          <p:cNvPr id="52" name="Oval 51">
+            <a:extLst>
+              <a:ext uri="{FF2B5EF4-FFF2-40B4-BE49-F238E27FC236}">
+                <a16:creationId xmlns:a16="http://schemas.microsoft.com/office/drawing/2014/main" id="{2EAF1EDA-E49E-2442-952F-93E3DC593711}"/>
+              </a:ext>
+            </a:extLst>
+          </p:cNvPr>
+          <p:cNvSpPr/>
+          <p:nvPr/>
+        </p:nvSpPr>
+        <p:spPr>
+          <a:xfrm>
+            <a:off x="5017513" y="1883519"/>
+            <a:ext cx="141890" cy="141890"/>
+          </a:xfrm>
+          <a:prstGeom prst="ellipse">
+            <a:avLst/>
+          </a:prstGeom>
+          <a:solidFill>
+            <a:srgbClr val="FF0000"/>
+          </a:solidFill>
+        </p:spPr>
+        <p:style>
+          <a:lnRef idx="2">
+            <a:schemeClr val="accent1">
+              <a:shade val="50000"/>
+            </a:schemeClr>
+          </a:lnRef>
+          <a:fillRef idx="1">
+            <a:schemeClr val="accent1"/>
+          </a:fillRef>
+          <a:effectRef idx="0">
+            <a:schemeClr val="accent1"/>
+          </a:effectRef>
+          <a:fontRef idx="minor">
+            <a:schemeClr val="lt1"/>
+          </a:fontRef>
+        </p:style>
+        <p:txBody>
+          <a:bodyPr rtlCol="0" anchor="ctr"/>
+          <a:lstStyle/>
+          <a:p>
+            <a:pPr algn="ctr"/>
+            <a:endParaRPr lang="en-US"/>
+          </a:p>
+        </p:txBody>
+      </p:sp>
+      <p:sp>
+        <p:nvSpPr>
+          <p:cNvPr id="53" name="Oval 52">
+            <a:extLst>
+              <a:ext uri="{FF2B5EF4-FFF2-40B4-BE49-F238E27FC236}">
+                <a16:creationId xmlns:a16="http://schemas.microsoft.com/office/drawing/2014/main" id="{EA3D7E21-22C1-C046-BAC2-5AD01D414083}"/>
+              </a:ext>
+            </a:extLst>
+          </p:cNvPr>
+          <p:cNvSpPr/>
+          <p:nvPr/>
+        </p:nvSpPr>
+        <p:spPr>
+          <a:xfrm>
+            <a:off x="5014885" y="2719488"/>
+            <a:ext cx="141890" cy="141890"/>
+          </a:xfrm>
+          <a:prstGeom prst="ellipse">
+            <a:avLst/>
+          </a:prstGeom>
+          <a:solidFill>
+            <a:srgbClr val="FF0000"/>
+          </a:solidFill>
+        </p:spPr>
+        <p:style>
+          <a:lnRef idx="2">
+            <a:schemeClr val="accent1">
+              <a:shade val="50000"/>
+            </a:schemeClr>
+          </a:lnRef>
+          <a:fillRef idx="1">
+            <a:schemeClr val="accent1"/>
+          </a:fillRef>
+          <a:effectRef idx="0">
+            <a:schemeClr val="accent1"/>
+          </a:effectRef>
+          <a:fontRef idx="minor">
+            <a:schemeClr val="lt1"/>
+          </a:fontRef>
+        </p:style>
+        <p:txBody>
+          <a:bodyPr rtlCol="0" anchor="ctr"/>
+          <a:lstStyle/>
+          <a:p>
+            <a:pPr algn="ctr"/>
+            <a:endParaRPr lang="en-US"/>
+          </a:p>
+        </p:txBody>
+      </p:sp>
+      <p:sp>
+        <p:nvSpPr>
+          <p:cNvPr id="54" name="Oval 53">
+            <a:extLst>
+              <a:ext uri="{FF2B5EF4-FFF2-40B4-BE49-F238E27FC236}">
+                <a16:creationId xmlns:a16="http://schemas.microsoft.com/office/drawing/2014/main" id="{B9565FD8-F329-DC4C-BE6C-2C35EE04C6B5}"/>
+              </a:ext>
+            </a:extLst>
+          </p:cNvPr>
+          <p:cNvSpPr/>
+          <p:nvPr/>
+        </p:nvSpPr>
+        <p:spPr>
+          <a:xfrm>
+            <a:off x="5014885" y="3574411"/>
+            <a:ext cx="141890" cy="141890"/>
+          </a:xfrm>
+          <a:prstGeom prst="ellipse">
+            <a:avLst/>
+          </a:prstGeom>
+          <a:solidFill>
+            <a:srgbClr val="FF0000"/>
+          </a:solidFill>
+        </p:spPr>
+        <p:style>
+          <a:lnRef idx="2">
+            <a:schemeClr val="accent1">
+              <a:shade val="50000"/>
+            </a:schemeClr>
+          </a:lnRef>
+          <a:fillRef idx="1">
+            <a:schemeClr val="accent1"/>
+          </a:fillRef>
+          <a:effectRef idx="0">
+            <a:schemeClr val="accent1"/>
+          </a:effectRef>
+          <a:fontRef idx="minor">
+            <a:schemeClr val="lt1"/>
+          </a:fontRef>
+        </p:style>
+        <p:txBody>
+          <a:bodyPr rtlCol="0" anchor="ctr"/>
+          <a:lstStyle/>
+          <a:p>
+            <a:pPr algn="ctr"/>
+            <a:endParaRPr lang="en-US"/>
+          </a:p>
+        </p:txBody>
+      </p:sp>
+      <p:sp>
+        <p:nvSpPr>
+          <p:cNvPr id="55" name="Oval 54">
+            <a:extLst>
+              <a:ext uri="{FF2B5EF4-FFF2-40B4-BE49-F238E27FC236}">
+                <a16:creationId xmlns:a16="http://schemas.microsoft.com/office/drawing/2014/main" id="{E48A798E-4729-CC4D-8C5C-54FE8FE3262A}"/>
+              </a:ext>
+            </a:extLst>
+          </p:cNvPr>
+          <p:cNvSpPr/>
+          <p:nvPr/>
+        </p:nvSpPr>
+        <p:spPr>
+          <a:xfrm>
+            <a:off x="5014885" y="4315934"/>
+            <a:ext cx="141890" cy="141890"/>
+          </a:xfrm>
+          <a:prstGeom prst="ellipse">
+            <a:avLst/>
+          </a:prstGeom>
+          <a:solidFill>
+            <a:srgbClr val="FF0000"/>
+          </a:solidFill>
+        </p:spPr>
+        <p:style>
+          <a:lnRef idx="2">
+            <a:schemeClr val="accent1">
+              <a:shade val="50000"/>
+            </a:schemeClr>
+          </a:lnRef>
+          <a:fillRef idx="1">
+            <a:schemeClr val="accent1"/>
+          </a:fillRef>
+          <a:effectRef idx="0">
+            <a:schemeClr val="accent1"/>
+          </a:effectRef>
+          <a:fontRef idx="minor">
+            <a:schemeClr val="lt1"/>
+          </a:fontRef>
+        </p:style>
+        <p:txBody>
+          <a:bodyPr rtlCol="0" anchor="ctr"/>
+          <a:lstStyle/>
+          <a:p>
+            <a:pPr algn="ctr"/>
+            <a:endParaRPr lang="en-US"/>
+          </a:p>
+        </p:txBody>
+      </p:sp>
+      <p:sp>
+        <p:nvSpPr>
+          <p:cNvPr id="56" name="Oval 55">
+            <a:extLst>
+              <a:ext uri="{FF2B5EF4-FFF2-40B4-BE49-F238E27FC236}">
+                <a16:creationId xmlns:a16="http://schemas.microsoft.com/office/drawing/2014/main" id="{23390226-42F3-834B-BCA9-E65662962A1F}"/>
+              </a:ext>
+            </a:extLst>
+          </p:cNvPr>
+          <p:cNvSpPr/>
+          <p:nvPr/>
+        </p:nvSpPr>
+        <p:spPr>
+          <a:xfrm>
+            <a:off x="1370529" y="2742954"/>
+            <a:ext cx="141890" cy="141890"/>
+          </a:xfrm>
+          <a:prstGeom prst="ellipse">
+            <a:avLst/>
+          </a:prstGeom>
+          <a:solidFill>
+            <a:srgbClr val="FF0000"/>
+          </a:solidFill>
+        </p:spPr>
+        <p:style>
+          <a:lnRef idx="2">
+            <a:schemeClr val="accent1">
+              <a:shade val="50000"/>
+            </a:schemeClr>
+          </a:lnRef>
+          <a:fillRef idx="1">
+            <a:schemeClr val="accent1"/>
+          </a:fillRef>
+          <a:effectRef idx="0">
+            <a:schemeClr val="accent1"/>
+          </a:effectRef>
+          <a:fontRef idx="minor">
+            <a:schemeClr val="lt1"/>
+          </a:fontRef>
+        </p:style>
+        <p:txBody>
+          <a:bodyPr rtlCol="0" anchor="ctr"/>
+          <a:lstStyle/>
+          <a:p>
+            <a:pPr algn="ctr"/>
+            <a:endParaRPr lang="en-US"/>
+          </a:p>
+        </p:txBody>
+      </p:sp>
+    </p:spTree>
+    <p:extLst>
+      <p:ext uri="{BB962C8B-B14F-4D97-AF65-F5344CB8AC3E}">
+        <p14:creationId xmlns:p14="http://schemas.microsoft.com/office/powerpoint/2010/main" val="1040053063"/>
+      </p:ext>
+    </p:extLst>
+  </p:cSld>
+  <p:clrMapOvr>
+    <a:masterClrMapping/>
+  </p:clrMapOvr>
+</p:sld>
+</file>
+
+<file path=ppt/slides/slide4.xml><?xml version="1.0" encoding="utf-8"?>
+<p:sld xmlns:a="http://schemas.openxmlformats.org/drawingml/2006/main" xmlns:r="http://schemas.openxmlformats.org/officeDocument/2006/relationships" xmlns:p="http://schemas.openxmlformats.org/presentationml/2006/main">
+  <p:cSld>
+    <p:spTree>
+      <p:nvGrpSpPr>
+        <p:cNvPr id="1" name=""/>
+        <p:cNvGrpSpPr/>
+        <p:nvPr/>
+      </p:nvGrpSpPr>
+      <p:grpSpPr>
+        <a:xfrm>
+          <a:off x="0" y="0"/>
+          <a:ext cx="0" cy="0"/>
+          <a:chOff x="0" y="0"/>
+          <a:chExt cx="0" cy="0"/>
+        </a:xfrm>
+      </p:grpSpPr>
+      <p:sp>
+        <p:nvSpPr>
+          <p:cNvPr id="2" name="Rectangle 1">
+            <a:extLst>
+              <a:ext uri="{FF2B5EF4-FFF2-40B4-BE49-F238E27FC236}">
+                <a16:creationId xmlns:a16="http://schemas.microsoft.com/office/drawing/2014/main" id="{2B39C22B-0A50-D940-BBFE-55ACC4536CA1}"/>
+              </a:ext>
+            </a:extLst>
+          </p:cNvPr>
+          <p:cNvSpPr/>
+          <p:nvPr/>
+        </p:nvSpPr>
+        <p:spPr>
+          <a:xfrm>
+            <a:off x="2113588" y="2570206"/>
+            <a:ext cx="1287533" cy="667265"/>
+          </a:xfrm>
+          <a:prstGeom prst="rect">
+            <a:avLst/>
+          </a:prstGeom>
+          <a:solidFill>
+            <a:schemeClr val="accent1">
+              <a:lumMod val="40000"/>
+              <a:lumOff val="60000"/>
+            </a:schemeClr>
+          </a:solidFill>
+        </p:spPr>
+        <p:style>
+          <a:lnRef idx="2">
+            <a:schemeClr val="accent1">
+              <a:shade val="50000"/>
+            </a:schemeClr>
+          </a:lnRef>
+          <a:fillRef idx="1">
+            <a:schemeClr val="accent1"/>
+          </a:fillRef>
+          <a:effectRef idx="0">
+            <a:schemeClr val="accent1"/>
+          </a:effectRef>
+          <a:fontRef idx="minor">
+            <a:schemeClr val="lt1"/>
+          </a:fontRef>
+        </p:style>
+        <p:txBody>
+          <a:bodyPr lIns="0" rIns="0" rtlCol="0" anchor="ctr"/>
+          <a:lstStyle/>
+          <a:p>
+            <a:pPr lvl="1"/>
+            <a:r>
+              <a:rPr lang="en-US" dirty="0">
+                <a:solidFill>
+                  <a:schemeClr val="tx1"/>
+                </a:solidFill>
+              </a:rPr>
+              <a:t>MQTT Broker</a:t>
+            </a:r>
+          </a:p>
+        </p:txBody>
+      </p:sp>
+      <p:sp>
+        <p:nvSpPr>
+          <p:cNvPr id="3" name="Oval 2">
+            <a:extLst>
+              <a:ext uri="{FF2B5EF4-FFF2-40B4-BE49-F238E27FC236}">
+                <a16:creationId xmlns:a16="http://schemas.microsoft.com/office/drawing/2014/main" id="{33CB9289-A019-0841-9D05-768471812962}"/>
+              </a:ext>
+            </a:extLst>
+          </p:cNvPr>
+          <p:cNvSpPr/>
+          <p:nvPr/>
+        </p:nvSpPr>
+        <p:spPr>
+          <a:xfrm>
+            <a:off x="630194" y="1544594"/>
+            <a:ext cx="481914" cy="481914"/>
+          </a:xfrm>
+          <a:prstGeom prst="ellipse">
+            <a:avLst/>
+          </a:prstGeom>
+          <a:solidFill>
+            <a:schemeClr val="accent2">
+              <a:lumMod val="40000"/>
+              <a:lumOff val="60000"/>
+            </a:schemeClr>
+          </a:solidFill>
+        </p:spPr>
+        <p:style>
+          <a:lnRef idx="2">
+            <a:schemeClr val="accent1">
+              <a:shade val="50000"/>
+            </a:schemeClr>
+          </a:lnRef>
+          <a:fillRef idx="1">
+            <a:schemeClr val="accent1"/>
+          </a:fillRef>
+          <a:effectRef idx="0">
+            <a:schemeClr val="accent1"/>
+          </a:effectRef>
+          <a:fontRef idx="minor">
+            <a:schemeClr val="lt1"/>
+          </a:fontRef>
+        </p:style>
+        <p:txBody>
+          <a:bodyPr rtlCol="0" anchor="ctr"/>
+          <a:lstStyle/>
+          <a:p>
+            <a:pPr algn="ctr"/>
+            <a:endParaRPr lang="en-US"/>
+          </a:p>
+        </p:txBody>
+      </p:sp>
+      <p:sp>
+        <p:nvSpPr>
+          <p:cNvPr id="4" name="Oval 3">
+            <a:extLst>
+              <a:ext uri="{FF2B5EF4-FFF2-40B4-BE49-F238E27FC236}">
+                <a16:creationId xmlns:a16="http://schemas.microsoft.com/office/drawing/2014/main" id="{6566BB00-B258-B04F-8312-BBF8CEFC1FDB}"/>
+              </a:ext>
+            </a:extLst>
+          </p:cNvPr>
+          <p:cNvSpPr/>
+          <p:nvPr/>
+        </p:nvSpPr>
+        <p:spPr>
+          <a:xfrm>
+            <a:off x="630194" y="2088292"/>
+            <a:ext cx="481914" cy="481914"/>
+          </a:xfrm>
+          <a:prstGeom prst="ellipse">
+            <a:avLst/>
+          </a:prstGeom>
+          <a:solidFill>
+            <a:schemeClr val="accent2">
+              <a:lumMod val="40000"/>
+              <a:lumOff val="60000"/>
+            </a:schemeClr>
+          </a:solidFill>
+        </p:spPr>
+        <p:style>
+          <a:lnRef idx="2">
+            <a:schemeClr val="accent1">
+              <a:shade val="50000"/>
+            </a:schemeClr>
+          </a:lnRef>
+          <a:fillRef idx="1">
+            <a:schemeClr val="accent1"/>
+          </a:fillRef>
+          <a:effectRef idx="0">
+            <a:schemeClr val="accent1"/>
+          </a:effectRef>
+          <a:fontRef idx="minor">
+            <a:schemeClr val="lt1"/>
+          </a:fontRef>
+        </p:style>
+        <p:txBody>
+          <a:bodyPr rtlCol="0" anchor="ctr"/>
+          <a:lstStyle/>
+          <a:p>
+            <a:pPr algn="ctr"/>
+            <a:endParaRPr lang="en-US"/>
+          </a:p>
+        </p:txBody>
+      </p:sp>
+      <p:sp>
+        <p:nvSpPr>
+          <p:cNvPr id="5" name="Oval 4">
+            <a:extLst>
+              <a:ext uri="{FF2B5EF4-FFF2-40B4-BE49-F238E27FC236}">
+                <a16:creationId xmlns:a16="http://schemas.microsoft.com/office/drawing/2014/main" id="{63F53ED8-C74B-7449-B03B-D01A6E925958}"/>
+              </a:ext>
+            </a:extLst>
+          </p:cNvPr>
+          <p:cNvSpPr/>
+          <p:nvPr/>
+        </p:nvSpPr>
+        <p:spPr>
+          <a:xfrm>
+            <a:off x="630194" y="2644347"/>
+            <a:ext cx="481914" cy="481914"/>
+          </a:xfrm>
+          <a:prstGeom prst="ellipse">
+            <a:avLst/>
+          </a:prstGeom>
+          <a:solidFill>
+            <a:schemeClr val="accent2">
+              <a:lumMod val="60000"/>
+              <a:lumOff val="40000"/>
+            </a:schemeClr>
+          </a:solidFill>
+        </p:spPr>
+        <p:style>
+          <a:lnRef idx="2">
+            <a:schemeClr val="accent1">
+              <a:shade val="50000"/>
+            </a:schemeClr>
+          </a:lnRef>
+          <a:fillRef idx="1">
+            <a:schemeClr val="accent1"/>
+          </a:fillRef>
+          <a:effectRef idx="0">
+            <a:schemeClr val="accent1"/>
+          </a:effectRef>
+          <a:fontRef idx="minor">
+            <a:schemeClr val="lt1"/>
+          </a:fontRef>
+        </p:style>
+        <p:txBody>
+          <a:bodyPr rtlCol="0" anchor="ctr"/>
+          <a:lstStyle/>
+          <a:p>
+            <a:pPr algn="ctr"/>
+            <a:endParaRPr lang="en-US"/>
+          </a:p>
+        </p:txBody>
+      </p:sp>
+      <p:sp>
+        <p:nvSpPr>
+          <p:cNvPr id="6" name="Oval 5">
+            <a:extLst>
+              <a:ext uri="{FF2B5EF4-FFF2-40B4-BE49-F238E27FC236}">
+                <a16:creationId xmlns:a16="http://schemas.microsoft.com/office/drawing/2014/main" id="{10B549BC-3968-8B4B-B4AA-39C4B6B1C3C4}"/>
+              </a:ext>
+            </a:extLst>
+          </p:cNvPr>
+          <p:cNvSpPr/>
+          <p:nvPr/>
+        </p:nvSpPr>
+        <p:spPr>
+          <a:xfrm>
+            <a:off x="630194" y="3731740"/>
+            <a:ext cx="481914" cy="481914"/>
+          </a:xfrm>
+          <a:prstGeom prst="ellipse">
+            <a:avLst/>
+          </a:prstGeom>
+          <a:solidFill>
+            <a:schemeClr val="accent2">
+              <a:lumMod val="40000"/>
+              <a:lumOff val="60000"/>
+            </a:schemeClr>
+          </a:solidFill>
+        </p:spPr>
+        <p:style>
+          <a:lnRef idx="2">
+            <a:schemeClr val="accent1">
+              <a:shade val="50000"/>
+            </a:schemeClr>
+          </a:lnRef>
+          <a:fillRef idx="1">
+            <a:schemeClr val="accent1"/>
+          </a:fillRef>
+          <a:effectRef idx="0">
+            <a:schemeClr val="accent1"/>
+          </a:effectRef>
+          <a:fontRef idx="minor">
+            <a:schemeClr val="lt1"/>
+          </a:fontRef>
+        </p:style>
+        <p:txBody>
+          <a:bodyPr rtlCol="0" anchor="ctr"/>
+          <a:lstStyle/>
+          <a:p>
+            <a:pPr algn="ctr"/>
+            <a:endParaRPr lang="en-US"/>
+          </a:p>
+        </p:txBody>
+      </p:sp>
+      <p:sp>
+        <p:nvSpPr>
+          <p:cNvPr id="7" name="TextBox 6">
+            <a:extLst>
+              <a:ext uri="{FF2B5EF4-FFF2-40B4-BE49-F238E27FC236}">
+                <a16:creationId xmlns:a16="http://schemas.microsoft.com/office/drawing/2014/main" id="{EB79C950-D9E8-1743-83FF-04AAED79CB22}"/>
+              </a:ext>
+            </a:extLst>
+          </p:cNvPr>
+          <p:cNvSpPr txBox="1"/>
+          <p:nvPr/>
+        </p:nvSpPr>
+        <p:spPr>
+          <a:xfrm>
+            <a:off x="566420" y="2885304"/>
+            <a:ext cx="609462" cy="830997"/>
+          </a:xfrm>
+          <a:prstGeom prst="rect">
+            <a:avLst/>
+          </a:prstGeom>
+          <a:noFill/>
+        </p:spPr>
+        <p:txBody>
+          <a:bodyPr wrap="none" rtlCol="0">
+            <a:spAutoFit/>
+          </a:bodyPr>
+          <a:lstStyle/>
+          <a:p>
+            <a:r>
+              <a:rPr lang="en-US" sz="4800" dirty="0"/>
+              <a:t>…</a:t>
+            </a:r>
+          </a:p>
+        </p:txBody>
+      </p:sp>
+      <p:sp>
+        <p:nvSpPr>
+          <p:cNvPr id="8" name="Rounded Rectangle 7">
+            <a:extLst>
+              <a:ext uri="{FF2B5EF4-FFF2-40B4-BE49-F238E27FC236}">
+                <a16:creationId xmlns:a16="http://schemas.microsoft.com/office/drawing/2014/main" id="{777B706B-8F4E-0940-A010-43DE4B783DA7}"/>
+              </a:ext>
+            </a:extLst>
+          </p:cNvPr>
+          <p:cNvSpPr/>
+          <p:nvPr/>
+        </p:nvSpPr>
+        <p:spPr>
+          <a:xfrm>
+            <a:off x="5253170" y="2608325"/>
+            <a:ext cx="1471961" cy="591015"/>
+          </a:xfrm>
+          <a:prstGeom prst="roundRect">
+            <a:avLst/>
+          </a:prstGeom>
+          <a:solidFill>
+            <a:schemeClr val="accent6">
+              <a:lumMod val="20000"/>
+              <a:lumOff val="80000"/>
+            </a:schemeClr>
+          </a:solidFill>
+        </p:spPr>
+        <p:style>
+          <a:lnRef idx="2">
+            <a:schemeClr val="accent1">
+              <a:shade val="50000"/>
+            </a:schemeClr>
+          </a:lnRef>
+          <a:fillRef idx="1">
+            <a:schemeClr val="accent1"/>
+          </a:fillRef>
+          <a:effectRef idx="0">
+            <a:schemeClr val="accent1"/>
+          </a:effectRef>
+          <a:fontRef idx="minor">
+            <a:schemeClr val="lt1"/>
+          </a:fontRef>
+        </p:style>
+        <p:txBody>
+          <a:bodyPr rtlCol="0" anchor="ctr"/>
+          <a:lstStyle/>
+          <a:p>
+            <a:pPr algn="ctr"/>
+            <a:r>
+              <a:rPr lang="en-US" dirty="0">
+                <a:solidFill>
+                  <a:schemeClr val="tx1"/>
+                </a:solidFill>
+              </a:rPr>
+              <a:t>Client</a:t>
+            </a:r>
+          </a:p>
+        </p:txBody>
+      </p:sp>
+      <p:sp>
+        <p:nvSpPr>
+          <p:cNvPr id="9" name="Rounded Rectangle 8">
+            <a:extLst>
+              <a:ext uri="{FF2B5EF4-FFF2-40B4-BE49-F238E27FC236}">
+                <a16:creationId xmlns:a16="http://schemas.microsoft.com/office/drawing/2014/main" id="{9F6C4602-E296-9245-A4C6-079DFFED5C1F}"/>
+              </a:ext>
+            </a:extLst>
+          </p:cNvPr>
+          <p:cNvSpPr/>
+          <p:nvPr/>
+        </p:nvSpPr>
+        <p:spPr>
+          <a:xfrm>
+            <a:off x="5253170" y="3455218"/>
+            <a:ext cx="1471961" cy="591015"/>
+          </a:xfrm>
+          <a:prstGeom prst="roundRect">
+            <a:avLst/>
+          </a:prstGeom>
+          <a:solidFill>
+            <a:schemeClr val="accent6">
+              <a:lumMod val="20000"/>
+              <a:lumOff val="80000"/>
+            </a:schemeClr>
+          </a:solidFill>
+        </p:spPr>
+        <p:style>
+          <a:lnRef idx="2">
+            <a:schemeClr val="accent1">
+              <a:shade val="50000"/>
+            </a:schemeClr>
+          </a:lnRef>
+          <a:fillRef idx="1">
+            <a:schemeClr val="accent1"/>
+          </a:fillRef>
+          <a:effectRef idx="0">
+            <a:schemeClr val="accent1"/>
+          </a:effectRef>
+          <a:fontRef idx="minor">
+            <a:schemeClr val="lt1"/>
+          </a:fontRef>
+        </p:style>
+        <p:txBody>
+          <a:bodyPr rtlCol="0" anchor="ctr"/>
+          <a:lstStyle/>
+          <a:p>
+            <a:pPr algn="ctr"/>
+            <a:r>
+              <a:rPr lang="en-US" dirty="0">
+                <a:solidFill>
+                  <a:schemeClr val="tx1"/>
+                </a:solidFill>
+              </a:rPr>
+              <a:t>Client</a:t>
+            </a:r>
+          </a:p>
+        </p:txBody>
+      </p:sp>
+      <p:sp>
+        <p:nvSpPr>
+          <p:cNvPr id="10" name="Rounded Rectangle 9">
+            <a:extLst>
+              <a:ext uri="{FF2B5EF4-FFF2-40B4-BE49-F238E27FC236}">
+                <a16:creationId xmlns:a16="http://schemas.microsoft.com/office/drawing/2014/main" id="{FEACA0A6-6AC2-4C41-BA91-C724FC14025C}"/>
+              </a:ext>
+            </a:extLst>
+          </p:cNvPr>
+          <p:cNvSpPr/>
+          <p:nvPr/>
+        </p:nvSpPr>
+        <p:spPr>
+          <a:xfrm>
+            <a:off x="5253169" y="1761432"/>
+            <a:ext cx="1471961" cy="591015"/>
+          </a:xfrm>
+          <a:prstGeom prst="roundRect">
+            <a:avLst/>
+          </a:prstGeom>
+          <a:solidFill>
+            <a:schemeClr val="accent6">
+              <a:lumMod val="60000"/>
+              <a:lumOff val="40000"/>
+            </a:schemeClr>
+          </a:solidFill>
+        </p:spPr>
+        <p:style>
+          <a:lnRef idx="2">
+            <a:schemeClr val="accent1">
+              <a:shade val="50000"/>
+            </a:schemeClr>
+          </a:lnRef>
+          <a:fillRef idx="1">
+            <a:schemeClr val="accent1"/>
+          </a:fillRef>
+          <a:effectRef idx="0">
+            <a:schemeClr val="accent1"/>
+          </a:effectRef>
+          <a:fontRef idx="minor">
+            <a:schemeClr val="lt1"/>
+          </a:fontRef>
+        </p:style>
+        <p:txBody>
+          <a:bodyPr rtlCol="0" anchor="ctr"/>
+          <a:lstStyle/>
+          <a:p>
+            <a:pPr algn="ctr"/>
+            <a:r>
+              <a:rPr lang="en-US" dirty="0">
+                <a:solidFill>
+                  <a:schemeClr val="tx1"/>
+                </a:solidFill>
+              </a:rPr>
+              <a:t>Client</a:t>
+            </a:r>
+          </a:p>
+        </p:txBody>
+      </p:sp>
+      <p:sp>
+        <p:nvSpPr>
+          <p:cNvPr id="11" name="Rounded Rectangle 10">
+            <a:extLst>
+              <a:ext uri="{FF2B5EF4-FFF2-40B4-BE49-F238E27FC236}">
+                <a16:creationId xmlns:a16="http://schemas.microsoft.com/office/drawing/2014/main" id="{81B39687-19FF-6245-B81B-F42B34E0A663}"/>
+              </a:ext>
+            </a:extLst>
+          </p:cNvPr>
+          <p:cNvSpPr/>
+          <p:nvPr/>
+        </p:nvSpPr>
+        <p:spPr>
+          <a:xfrm>
+            <a:off x="5253168" y="4306031"/>
+            <a:ext cx="1471961" cy="591015"/>
+          </a:xfrm>
+          <a:prstGeom prst="roundRect">
+            <a:avLst/>
+          </a:prstGeom>
+          <a:solidFill>
+            <a:schemeClr val="accent6">
+              <a:lumMod val="20000"/>
+              <a:lumOff val="80000"/>
+            </a:schemeClr>
+          </a:solidFill>
+        </p:spPr>
+        <p:style>
+          <a:lnRef idx="2">
+            <a:schemeClr val="accent1">
+              <a:shade val="50000"/>
+            </a:schemeClr>
+          </a:lnRef>
+          <a:fillRef idx="1">
+            <a:schemeClr val="accent1"/>
+          </a:fillRef>
+          <a:effectRef idx="0">
+            <a:schemeClr val="accent1"/>
+          </a:effectRef>
+          <a:fontRef idx="minor">
+            <a:schemeClr val="lt1"/>
+          </a:fontRef>
+        </p:style>
+        <p:txBody>
+          <a:bodyPr rtlCol="0" anchor="ctr"/>
+          <a:lstStyle/>
+          <a:p>
+            <a:pPr algn="ctr"/>
+            <a:r>
+              <a:rPr lang="en-US" dirty="0">
+                <a:solidFill>
+                  <a:schemeClr val="tx1"/>
+                </a:solidFill>
+              </a:rPr>
+              <a:t>Client</a:t>
+            </a:r>
+          </a:p>
+        </p:txBody>
+      </p:sp>
+      <p:sp>
+        <p:nvSpPr>
+          <p:cNvPr id="12" name="Rounded Rectangle 11">
+            <a:extLst>
+              <a:ext uri="{FF2B5EF4-FFF2-40B4-BE49-F238E27FC236}">
+                <a16:creationId xmlns:a16="http://schemas.microsoft.com/office/drawing/2014/main" id="{BA2383C6-F779-8649-B066-1184C537689A}"/>
+              </a:ext>
+            </a:extLst>
+          </p:cNvPr>
+          <p:cNvSpPr/>
+          <p:nvPr/>
+        </p:nvSpPr>
+        <p:spPr>
+          <a:xfrm>
+            <a:off x="5253167" y="910619"/>
+            <a:ext cx="1471961" cy="591015"/>
+          </a:xfrm>
+          <a:prstGeom prst="roundRect">
+            <a:avLst/>
+          </a:prstGeom>
+          <a:solidFill>
+            <a:schemeClr val="accent6">
+              <a:lumMod val="20000"/>
+              <a:lumOff val="80000"/>
+            </a:schemeClr>
+          </a:solidFill>
+        </p:spPr>
+        <p:style>
+          <a:lnRef idx="2">
+            <a:schemeClr val="accent1">
+              <a:shade val="50000"/>
+            </a:schemeClr>
+          </a:lnRef>
+          <a:fillRef idx="1">
+            <a:schemeClr val="accent1"/>
+          </a:fillRef>
+          <a:effectRef idx="0">
+            <a:schemeClr val="accent1"/>
+          </a:effectRef>
+          <a:fontRef idx="minor">
+            <a:schemeClr val="lt1"/>
+          </a:fontRef>
+        </p:style>
+        <p:txBody>
+          <a:bodyPr rtlCol="0" anchor="ctr"/>
+          <a:lstStyle/>
+          <a:p>
+            <a:pPr algn="ctr"/>
+            <a:r>
+              <a:rPr lang="en-US" dirty="0">
+                <a:solidFill>
+                  <a:schemeClr val="tx1"/>
+                </a:solidFill>
+              </a:rPr>
+              <a:t>Client</a:t>
+            </a:r>
+          </a:p>
+        </p:txBody>
+      </p:sp>
+      <p:cxnSp>
+        <p:nvCxnSpPr>
+          <p:cNvPr id="14" name="Straight Arrow Connector 13">
+            <a:extLst>
+              <a:ext uri="{FF2B5EF4-FFF2-40B4-BE49-F238E27FC236}">
+                <a16:creationId xmlns:a16="http://schemas.microsoft.com/office/drawing/2014/main" id="{217AEC11-4435-8D46-8F00-EAD178A6EF25}"/>
+              </a:ext>
+            </a:extLst>
+          </p:cNvPr>
+          <p:cNvCxnSpPr>
+            <a:cxnSpLocks/>
+          </p:cNvCxnSpPr>
+          <p:nvPr/>
+        </p:nvCxnSpPr>
+        <p:spPr>
+          <a:xfrm>
+            <a:off x="3565619" y="2903832"/>
+            <a:ext cx="1579756" cy="0"/>
+          </a:xfrm>
+          <a:prstGeom prst="straightConnector1">
+            <a:avLst/>
+          </a:prstGeom>
+          <a:ln>
+            <a:solidFill>
+              <a:schemeClr val="accent1">
+                <a:lumMod val="60000"/>
+                <a:lumOff val="40000"/>
+              </a:schemeClr>
+            </a:solidFill>
+            <a:prstDash val="dash"/>
+            <a:headEnd type="triangle"/>
+            <a:tailEnd type="triangle"/>
+          </a:ln>
+        </p:spPr>
+        <p:style>
+          <a:lnRef idx="1">
+            <a:schemeClr val="accent1"/>
+          </a:lnRef>
+          <a:fillRef idx="0">
+            <a:schemeClr val="accent1"/>
+          </a:fillRef>
+          <a:effectRef idx="0">
+            <a:schemeClr val="accent1"/>
+          </a:effectRef>
+          <a:fontRef idx="minor">
+            <a:schemeClr val="tx1"/>
+          </a:fontRef>
+        </p:style>
+      </p:cxnSp>
+      <p:cxnSp>
+        <p:nvCxnSpPr>
+          <p:cNvPr id="17" name="Straight Arrow Connector 16">
+            <a:extLst>
+              <a:ext uri="{FF2B5EF4-FFF2-40B4-BE49-F238E27FC236}">
+                <a16:creationId xmlns:a16="http://schemas.microsoft.com/office/drawing/2014/main" id="{AF673500-B6BB-9D4E-9F02-BAA78D358649}"/>
+              </a:ext>
+            </a:extLst>
+          </p:cNvPr>
+          <p:cNvCxnSpPr>
+            <a:cxnSpLocks/>
+          </p:cNvCxnSpPr>
+          <p:nvPr/>
+        </p:nvCxnSpPr>
+        <p:spPr>
+          <a:xfrm>
+            <a:off x="3565619" y="2903832"/>
+            <a:ext cx="1579756" cy="923093"/>
+          </a:xfrm>
+          <a:prstGeom prst="straightConnector1">
+            <a:avLst/>
+          </a:prstGeom>
+          <a:ln>
+            <a:solidFill>
+              <a:schemeClr val="accent1">
+                <a:lumMod val="60000"/>
+                <a:lumOff val="40000"/>
+              </a:schemeClr>
+            </a:solidFill>
+            <a:prstDash val="dash"/>
+            <a:headEnd type="triangle"/>
+            <a:tailEnd type="triangle"/>
+          </a:ln>
+        </p:spPr>
+        <p:style>
+          <a:lnRef idx="1">
+            <a:schemeClr val="accent1"/>
+          </a:lnRef>
+          <a:fillRef idx="0">
+            <a:schemeClr val="accent1"/>
+          </a:fillRef>
+          <a:effectRef idx="0">
+            <a:schemeClr val="accent1"/>
+          </a:effectRef>
+          <a:fontRef idx="minor">
+            <a:schemeClr val="tx1"/>
+          </a:fontRef>
+        </p:style>
+      </p:cxnSp>
+      <p:cxnSp>
+        <p:nvCxnSpPr>
+          <p:cNvPr id="20" name="Straight Arrow Connector 19">
+            <a:extLst>
+              <a:ext uri="{FF2B5EF4-FFF2-40B4-BE49-F238E27FC236}">
+                <a16:creationId xmlns:a16="http://schemas.microsoft.com/office/drawing/2014/main" id="{0B6AF0D7-DD4F-3F45-AE79-E71A89D26018}"/>
+              </a:ext>
+            </a:extLst>
+          </p:cNvPr>
+          <p:cNvCxnSpPr>
+            <a:cxnSpLocks/>
+          </p:cNvCxnSpPr>
+          <p:nvPr/>
+        </p:nvCxnSpPr>
+        <p:spPr>
+          <a:xfrm>
+            <a:off x="3565619" y="2903831"/>
+            <a:ext cx="1579756" cy="1697707"/>
+          </a:xfrm>
+          <a:prstGeom prst="straightConnector1">
+            <a:avLst/>
+          </a:prstGeom>
+          <a:ln>
+            <a:solidFill>
+              <a:schemeClr val="accent1">
+                <a:lumMod val="60000"/>
+                <a:lumOff val="40000"/>
+              </a:schemeClr>
+            </a:solidFill>
+            <a:prstDash val="dash"/>
+            <a:headEnd type="triangle"/>
+            <a:tailEnd type="triangle"/>
+          </a:ln>
+        </p:spPr>
+        <p:style>
+          <a:lnRef idx="1">
+            <a:schemeClr val="accent1"/>
+          </a:lnRef>
+          <a:fillRef idx="0">
+            <a:schemeClr val="accent1"/>
+          </a:fillRef>
+          <a:effectRef idx="0">
+            <a:schemeClr val="accent1"/>
+          </a:effectRef>
+          <a:fontRef idx="minor">
+            <a:schemeClr val="tx1"/>
+          </a:fontRef>
+        </p:style>
+      </p:cxnSp>
+      <p:cxnSp>
+        <p:nvCxnSpPr>
+          <p:cNvPr id="23" name="Straight Arrow Connector 22">
+            <a:extLst>
+              <a:ext uri="{FF2B5EF4-FFF2-40B4-BE49-F238E27FC236}">
+                <a16:creationId xmlns:a16="http://schemas.microsoft.com/office/drawing/2014/main" id="{32CC636B-32C2-884B-8E06-4A8C5AD776D7}"/>
+              </a:ext>
+            </a:extLst>
+          </p:cNvPr>
+          <p:cNvCxnSpPr>
+            <a:cxnSpLocks/>
+          </p:cNvCxnSpPr>
+          <p:nvPr/>
+        </p:nvCxnSpPr>
+        <p:spPr>
+          <a:xfrm flipV="1">
+            <a:off x="3565619" y="2056940"/>
+            <a:ext cx="1579756" cy="846890"/>
+          </a:xfrm>
+          <a:prstGeom prst="straightConnector1">
+            <a:avLst/>
+          </a:prstGeom>
+          <a:ln>
+            <a:headEnd type="triangle"/>
+            <a:tailEnd type="triangle"/>
+          </a:ln>
+        </p:spPr>
+        <p:style>
+          <a:lnRef idx="1">
+            <a:schemeClr val="accent1"/>
+          </a:lnRef>
+          <a:fillRef idx="0">
+            <a:schemeClr val="accent1"/>
+          </a:fillRef>
+          <a:effectRef idx="0">
+            <a:schemeClr val="accent1"/>
+          </a:effectRef>
+          <a:fontRef idx="minor">
+            <a:schemeClr val="tx1"/>
+          </a:fontRef>
+        </p:style>
+      </p:cxnSp>
+      <p:cxnSp>
+        <p:nvCxnSpPr>
+          <p:cNvPr id="27" name="Straight Arrow Connector 26">
+            <a:extLst>
+              <a:ext uri="{FF2B5EF4-FFF2-40B4-BE49-F238E27FC236}">
+                <a16:creationId xmlns:a16="http://schemas.microsoft.com/office/drawing/2014/main" id="{CE10CDD5-3778-1A40-8560-CC9BA5256476}"/>
+              </a:ext>
+            </a:extLst>
+          </p:cNvPr>
+          <p:cNvCxnSpPr>
+            <a:cxnSpLocks/>
+          </p:cNvCxnSpPr>
+          <p:nvPr/>
+        </p:nvCxnSpPr>
+        <p:spPr>
+          <a:xfrm flipV="1">
+            <a:off x="3565619" y="1206126"/>
+            <a:ext cx="1579756" cy="1697704"/>
+          </a:xfrm>
+          <a:prstGeom prst="straightConnector1">
+            <a:avLst/>
+          </a:prstGeom>
+          <a:ln>
+            <a:solidFill>
+              <a:schemeClr val="accent1">
+                <a:lumMod val="60000"/>
+                <a:lumOff val="40000"/>
+              </a:schemeClr>
+            </a:solidFill>
+            <a:prstDash val="dash"/>
+            <a:headEnd type="triangle"/>
+            <a:tailEnd type="triangle"/>
+          </a:ln>
+        </p:spPr>
+        <p:style>
+          <a:lnRef idx="1">
+            <a:schemeClr val="accent1"/>
+          </a:lnRef>
+          <a:fillRef idx="0">
+            <a:schemeClr val="accent1"/>
+          </a:fillRef>
+          <a:effectRef idx="0">
+            <a:schemeClr val="accent1"/>
+          </a:effectRef>
+          <a:fontRef idx="minor">
+            <a:schemeClr val="tx1"/>
+          </a:fontRef>
+        </p:style>
+      </p:cxnSp>
+      <p:cxnSp>
+        <p:nvCxnSpPr>
+          <p:cNvPr id="31" name="Straight Arrow Connector 30">
+            <a:extLst>
+              <a:ext uri="{FF2B5EF4-FFF2-40B4-BE49-F238E27FC236}">
+                <a16:creationId xmlns:a16="http://schemas.microsoft.com/office/drawing/2014/main" id="{2B5EBE8C-BA6B-1742-A531-F01760A27071}"/>
+              </a:ext>
+            </a:extLst>
+          </p:cNvPr>
+          <p:cNvCxnSpPr>
+            <a:cxnSpLocks/>
+          </p:cNvCxnSpPr>
+          <p:nvPr/>
+        </p:nvCxnSpPr>
+        <p:spPr>
+          <a:xfrm>
+            <a:off x="1175882" y="2903834"/>
+            <a:ext cx="814964" cy="0"/>
+          </a:xfrm>
+          <a:prstGeom prst="straightConnector1">
+            <a:avLst/>
+          </a:prstGeom>
+          <a:ln>
+            <a:headEnd type="none"/>
+            <a:tailEnd type="triangle"/>
+          </a:ln>
+        </p:spPr>
+        <p:style>
+          <a:lnRef idx="1">
+            <a:schemeClr val="accent1"/>
+          </a:lnRef>
+          <a:fillRef idx="0">
+            <a:schemeClr val="accent1"/>
+          </a:fillRef>
+          <a:effectRef idx="0">
+            <a:schemeClr val="accent1"/>
+          </a:effectRef>
+          <a:fontRef idx="minor">
+            <a:schemeClr val="tx1"/>
+          </a:fontRef>
+        </p:style>
+      </p:cxnSp>
+      <p:cxnSp>
+        <p:nvCxnSpPr>
+          <p:cNvPr id="33" name="Straight Arrow Connector 32">
+            <a:extLst>
+              <a:ext uri="{FF2B5EF4-FFF2-40B4-BE49-F238E27FC236}">
+                <a16:creationId xmlns:a16="http://schemas.microsoft.com/office/drawing/2014/main" id="{3F4433DC-9703-5746-ADB6-3EBB17BD908E}"/>
+              </a:ext>
+            </a:extLst>
+          </p:cNvPr>
+          <p:cNvCxnSpPr>
+            <a:cxnSpLocks/>
+          </p:cNvCxnSpPr>
+          <p:nvPr/>
+        </p:nvCxnSpPr>
+        <p:spPr>
+          <a:xfrm flipV="1">
+            <a:off x="1175882" y="2903834"/>
+            <a:ext cx="814964" cy="1068865"/>
+          </a:xfrm>
+          <a:prstGeom prst="straightConnector1">
+            <a:avLst/>
+          </a:prstGeom>
+          <a:ln>
+            <a:solidFill>
+              <a:schemeClr val="accent1">
+                <a:lumMod val="60000"/>
+                <a:lumOff val="40000"/>
+              </a:schemeClr>
+            </a:solidFill>
+            <a:prstDash val="dash"/>
+            <a:headEnd type="none"/>
+            <a:tailEnd type="triangle"/>
+          </a:ln>
+        </p:spPr>
+        <p:style>
+          <a:lnRef idx="1">
+            <a:schemeClr val="accent1"/>
+          </a:lnRef>
+          <a:fillRef idx="0">
+            <a:schemeClr val="accent1"/>
+          </a:fillRef>
+          <a:effectRef idx="0">
+            <a:schemeClr val="accent1"/>
+          </a:effectRef>
+          <a:fontRef idx="minor">
+            <a:schemeClr val="tx1"/>
+          </a:fontRef>
+        </p:style>
+      </p:cxnSp>
+      <p:cxnSp>
+        <p:nvCxnSpPr>
+          <p:cNvPr id="37" name="Straight Arrow Connector 36">
+            <a:extLst>
+              <a:ext uri="{FF2B5EF4-FFF2-40B4-BE49-F238E27FC236}">
+                <a16:creationId xmlns:a16="http://schemas.microsoft.com/office/drawing/2014/main" id="{24E6E6B5-8D23-D941-B3D7-5686A4A80B3F}"/>
+              </a:ext>
+            </a:extLst>
+          </p:cNvPr>
+          <p:cNvCxnSpPr>
+            <a:cxnSpLocks/>
+          </p:cNvCxnSpPr>
+          <p:nvPr/>
+        </p:nvCxnSpPr>
+        <p:spPr>
+          <a:xfrm>
+            <a:off x="1175882" y="2329249"/>
+            <a:ext cx="814964" cy="574584"/>
+          </a:xfrm>
+          <a:prstGeom prst="straightConnector1">
+            <a:avLst/>
+          </a:prstGeom>
+          <a:ln>
+            <a:solidFill>
+              <a:schemeClr val="accent1">
+                <a:lumMod val="60000"/>
+                <a:lumOff val="40000"/>
+              </a:schemeClr>
+            </a:solidFill>
+            <a:prstDash val="dash"/>
+            <a:headEnd type="none"/>
+            <a:tailEnd type="triangle"/>
+          </a:ln>
+        </p:spPr>
+        <p:style>
+          <a:lnRef idx="1">
+            <a:schemeClr val="accent1"/>
+          </a:lnRef>
+          <a:fillRef idx="0">
+            <a:schemeClr val="accent1"/>
+          </a:fillRef>
+          <a:effectRef idx="0">
+            <a:schemeClr val="accent1"/>
+          </a:effectRef>
+          <a:fontRef idx="minor">
+            <a:schemeClr val="tx1"/>
+          </a:fontRef>
+        </p:style>
+      </p:cxnSp>
+      <p:cxnSp>
+        <p:nvCxnSpPr>
+          <p:cNvPr id="40" name="Straight Arrow Connector 39">
+            <a:extLst>
+              <a:ext uri="{FF2B5EF4-FFF2-40B4-BE49-F238E27FC236}">
+                <a16:creationId xmlns:a16="http://schemas.microsoft.com/office/drawing/2014/main" id="{EA6B38BA-B8F8-124F-85BC-77EA9AADBE4D}"/>
+              </a:ext>
+            </a:extLst>
+          </p:cNvPr>
+          <p:cNvCxnSpPr>
+            <a:cxnSpLocks/>
+          </p:cNvCxnSpPr>
+          <p:nvPr/>
+        </p:nvCxnSpPr>
+        <p:spPr>
+          <a:xfrm>
+            <a:off x="1175882" y="1785551"/>
+            <a:ext cx="814964" cy="1118282"/>
+          </a:xfrm>
+          <a:prstGeom prst="straightConnector1">
+            <a:avLst/>
+          </a:prstGeom>
+          <a:ln>
+            <a:solidFill>
+              <a:schemeClr val="accent1">
+                <a:lumMod val="60000"/>
+                <a:lumOff val="40000"/>
+              </a:schemeClr>
+            </a:solidFill>
+            <a:prstDash val="dash"/>
+            <a:headEnd type="none"/>
+            <a:tailEnd type="triangle"/>
+          </a:ln>
+        </p:spPr>
+        <p:style>
+          <a:lnRef idx="1">
+            <a:schemeClr val="accent1"/>
+          </a:lnRef>
+          <a:fillRef idx="0">
+            <a:schemeClr val="accent1"/>
+          </a:fillRef>
+          <a:effectRef idx="0">
+            <a:schemeClr val="accent1"/>
+          </a:effectRef>
+          <a:fontRef idx="minor">
+            <a:schemeClr val="tx1"/>
+          </a:fontRef>
+        </p:style>
+      </p:cxnSp>
+      <p:cxnSp>
+        <p:nvCxnSpPr>
+          <p:cNvPr id="44" name="Straight Arrow Connector 43">
+            <a:extLst>
+              <a:ext uri="{FF2B5EF4-FFF2-40B4-BE49-F238E27FC236}">
+                <a16:creationId xmlns:a16="http://schemas.microsoft.com/office/drawing/2014/main" id="{FDB67FB9-D6DE-DA4E-B11E-57C7BB3922DC}"/>
+              </a:ext>
+            </a:extLst>
+          </p:cNvPr>
+          <p:cNvCxnSpPr>
+            <a:endCxn id="2" idx="1"/>
+          </p:cNvCxnSpPr>
+          <p:nvPr/>
+        </p:nvCxnSpPr>
+        <p:spPr>
+          <a:xfrm>
+            <a:off x="1990846" y="2903833"/>
+            <a:ext cx="122742" cy="6"/>
+          </a:xfrm>
+          <a:prstGeom prst="straightConnector1">
+            <a:avLst/>
+          </a:prstGeom>
+          <a:ln>
+            <a:tailEnd type="triangle"/>
+          </a:ln>
+        </p:spPr>
+        <p:style>
+          <a:lnRef idx="1">
+            <a:schemeClr val="accent1"/>
+          </a:lnRef>
+          <a:fillRef idx="0">
+            <a:schemeClr val="accent1"/>
+          </a:fillRef>
+          <a:effectRef idx="0">
+            <a:schemeClr val="accent1"/>
+          </a:effectRef>
+          <a:fontRef idx="minor">
+            <a:schemeClr val="tx1"/>
+          </a:fontRef>
+        </p:style>
+      </p:cxnSp>
+      <p:cxnSp>
+        <p:nvCxnSpPr>
+          <p:cNvPr id="46" name="Straight Arrow Connector 45">
+            <a:extLst>
+              <a:ext uri="{FF2B5EF4-FFF2-40B4-BE49-F238E27FC236}">
+                <a16:creationId xmlns:a16="http://schemas.microsoft.com/office/drawing/2014/main" id="{57BCDEE4-AFC8-BB45-97DF-9C2D37FF3DF1}"/>
+              </a:ext>
+            </a:extLst>
+          </p:cNvPr>
+          <p:cNvCxnSpPr>
+            <a:cxnSpLocks/>
+            <a:stCxn id="2" idx="3"/>
+          </p:cNvCxnSpPr>
+          <p:nvPr/>
+        </p:nvCxnSpPr>
+        <p:spPr>
+          <a:xfrm flipV="1">
+            <a:off x="3401121" y="2903832"/>
+            <a:ext cx="164498" cy="7"/>
+          </a:xfrm>
+          <a:prstGeom prst="straightConnector1">
+            <a:avLst/>
+          </a:prstGeom>
+          <a:ln>
+            <a:tailEnd type="triangle"/>
+          </a:ln>
+        </p:spPr>
+        <p:style>
+          <a:lnRef idx="1">
+            <a:schemeClr val="accent1"/>
+          </a:lnRef>
+          <a:fillRef idx="0">
+            <a:schemeClr val="accent1"/>
+          </a:fillRef>
+          <a:effectRef idx="0">
+            <a:schemeClr val="accent1"/>
+          </a:effectRef>
+          <a:fontRef idx="minor">
+            <a:schemeClr val="tx1"/>
+          </a:fontRef>
+        </p:style>
+      </p:cxnSp>
+      <p:sp>
+        <p:nvSpPr>
+          <p:cNvPr id="48" name="TextBox 47">
+            <a:extLst>
+              <a:ext uri="{FF2B5EF4-FFF2-40B4-BE49-F238E27FC236}">
+                <a16:creationId xmlns:a16="http://schemas.microsoft.com/office/drawing/2014/main" id="{C55C4057-1453-AC49-BF67-47428C3B9F3D}"/>
+              </a:ext>
+            </a:extLst>
+          </p:cNvPr>
+          <p:cNvSpPr txBox="1"/>
+          <p:nvPr/>
+        </p:nvSpPr>
+        <p:spPr>
+          <a:xfrm>
+            <a:off x="402021" y="5108028"/>
+            <a:ext cx="864339" cy="369332"/>
+          </a:xfrm>
+          <a:prstGeom prst="rect">
+            <a:avLst/>
+          </a:prstGeom>
+          <a:noFill/>
+        </p:spPr>
+        <p:txBody>
+          <a:bodyPr wrap="none" rtlCol="0">
+            <a:spAutoFit/>
+          </a:bodyPr>
+          <a:lstStyle/>
+          <a:p>
+            <a:r>
+              <a:rPr lang="en-US" dirty="0"/>
+              <a:t>Publish</a:t>
+            </a:r>
+          </a:p>
+        </p:txBody>
+      </p:sp>
+      <p:sp>
+        <p:nvSpPr>
+          <p:cNvPr id="50" name="TextBox 49">
+            <a:extLst>
+              <a:ext uri="{FF2B5EF4-FFF2-40B4-BE49-F238E27FC236}">
+                <a16:creationId xmlns:a16="http://schemas.microsoft.com/office/drawing/2014/main" id="{8167823B-424F-5241-A0F6-9366A109DC53}"/>
+              </a:ext>
+            </a:extLst>
+          </p:cNvPr>
+          <p:cNvSpPr txBox="1"/>
+          <p:nvPr/>
+        </p:nvSpPr>
+        <p:spPr>
+          <a:xfrm>
+            <a:off x="5550594" y="5108028"/>
+            <a:ext cx="1090811" cy="369332"/>
+          </a:xfrm>
+          <a:prstGeom prst="rect">
+            <a:avLst/>
+          </a:prstGeom>
+          <a:noFill/>
+        </p:spPr>
+        <p:txBody>
+          <a:bodyPr wrap="none" rtlCol="0">
+            <a:spAutoFit/>
+          </a:bodyPr>
+          <a:lstStyle/>
+          <a:p>
+            <a:r>
+              <a:rPr lang="en-US" dirty="0"/>
+              <a:t>Subscribe</a:t>
+            </a:r>
+          </a:p>
+        </p:txBody>
+      </p:sp>
+      <p:sp>
+        <p:nvSpPr>
+          <p:cNvPr id="52" name="Oval 51">
+            <a:extLst>
+              <a:ext uri="{FF2B5EF4-FFF2-40B4-BE49-F238E27FC236}">
+                <a16:creationId xmlns:a16="http://schemas.microsoft.com/office/drawing/2014/main" id="{2EAF1EDA-E49E-2442-952F-93E3DC593711}"/>
+              </a:ext>
+            </a:extLst>
+          </p:cNvPr>
+          <p:cNvSpPr/>
+          <p:nvPr/>
+        </p:nvSpPr>
+        <p:spPr>
+          <a:xfrm>
+            <a:off x="5017513" y="1883519"/>
+            <a:ext cx="141890" cy="141890"/>
+          </a:xfrm>
+          <a:prstGeom prst="ellipse">
+            <a:avLst/>
+          </a:prstGeom>
+          <a:solidFill>
+            <a:srgbClr val="FF0000"/>
+          </a:solidFill>
+        </p:spPr>
+        <p:style>
+          <a:lnRef idx="2">
+            <a:schemeClr val="accent1">
+              <a:shade val="50000"/>
+            </a:schemeClr>
+          </a:lnRef>
+          <a:fillRef idx="1">
+            <a:schemeClr val="accent1"/>
+          </a:fillRef>
+          <a:effectRef idx="0">
+            <a:schemeClr val="accent1"/>
+          </a:effectRef>
+          <a:fontRef idx="minor">
+            <a:schemeClr val="lt1"/>
+          </a:fontRef>
+        </p:style>
+        <p:txBody>
+          <a:bodyPr rtlCol="0" anchor="ctr"/>
+          <a:lstStyle/>
+          <a:p>
+            <a:pPr algn="ctr"/>
+            <a:endParaRPr lang="en-US"/>
+          </a:p>
+        </p:txBody>
+      </p:sp>
+      <p:sp>
+        <p:nvSpPr>
+          <p:cNvPr id="56" name="Oval 55">
+            <a:extLst>
+              <a:ext uri="{FF2B5EF4-FFF2-40B4-BE49-F238E27FC236}">
+                <a16:creationId xmlns:a16="http://schemas.microsoft.com/office/drawing/2014/main" id="{23390226-42F3-834B-BCA9-E65662962A1F}"/>
+              </a:ext>
+            </a:extLst>
+          </p:cNvPr>
+          <p:cNvSpPr/>
+          <p:nvPr/>
+        </p:nvSpPr>
+        <p:spPr>
+          <a:xfrm>
+            <a:off x="1370529" y="2742954"/>
+            <a:ext cx="141890" cy="141890"/>
+          </a:xfrm>
+          <a:prstGeom prst="ellipse">
+            <a:avLst/>
+          </a:prstGeom>
+          <a:solidFill>
+            <a:srgbClr val="FF0000"/>
+          </a:solidFill>
+        </p:spPr>
+        <p:style>
+          <a:lnRef idx="2">
+            <a:schemeClr val="accent1">
+              <a:shade val="50000"/>
+            </a:schemeClr>
+          </a:lnRef>
+          <a:fillRef idx="1">
+            <a:schemeClr val="accent1"/>
+          </a:fillRef>
+          <a:effectRef idx="0">
+            <a:schemeClr val="accent1"/>
+          </a:effectRef>
+          <a:fontRef idx="minor">
+            <a:schemeClr val="lt1"/>
+          </a:fontRef>
+        </p:style>
+        <p:txBody>
+          <a:bodyPr rtlCol="0" anchor="ctr"/>
+          <a:lstStyle/>
+          <a:p>
+            <a:pPr algn="ctr"/>
+            <a:endParaRPr lang="en-US"/>
+          </a:p>
+        </p:txBody>
+      </p:sp>
+    </p:spTree>
+    <p:extLst>
+      <p:ext uri="{BB962C8B-B14F-4D97-AF65-F5344CB8AC3E}">
+        <p14:creationId xmlns:p14="http://schemas.microsoft.com/office/powerpoint/2010/main" val="1903650877"/>
+      </p:ext>
+    </p:extLst>
+  </p:cSld>
+  <p:clrMapOvr>
+    <a:masterClrMapping/>
+  </p:clrMapOvr>
+</p:sld>
+</file>
+
 <file path=ppt/theme/theme1.xml><?xml version="1.0" encoding="utf-8"?>
 <a:theme xmlns:a="http://schemas.openxmlformats.org/drawingml/2006/main" name="Office Theme">
   <a:themeElements>
